--- a/docs/locale/ru_RU/source/tutorial/diagrams.pptx
+++ b/docs/locale/ru_RU/source/tutorial/diagrams.pptx
@@ -2911,7 +2911,7 @@
           </a:ln>
           <a:extLst>
             <a:ext uri="{C572A759-6A51-4108-AA02-DFA0A04FC94B}">
-              <ma14:wrappingTextBoxFlag xmlns:ma14="http://schemas.microsoft.com/office/mac/drawingml/2011/main" xmlns="" val="1"/>
+              <ma14:wrappingTextBoxFlag xmlns="" xmlns:ma14="http://schemas.microsoft.com/office/mac/drawingml/2011/main" val="1"/>
             </a:ext>
           </a:extLst>
         </p:spPr>
@@ -2950,7 +2950,7 @@
           </a:ln>
           <a:extLst>
             <a:ext uri="{C572A759-6A51-4108-AA02-DFA0A04FC94B}">
-              <ma14:wrappingTextBoxFlag xmlns:ma14="http://schemas.microsoft.com/office/mac/drawingml/2011/main" xmlns="" val="1"/>
+              <ma14:wrappingTextBoxFlag xmlns="" xmlns:ma14="http://schemas.microsoft.com/office/mac/drawingml/2011/main" val="1"/>
             </a:ext>
           </a:extLst>
         </p:spPr>
@@ -4008,7 +4008,7 @@
           </a:ln>
           <a:extLst>
             <a:ext uri="{C572A759-6A51-4108-AA02-DFA0A04FC94B}">
-              <ma14:wrappingTextBoxFlag xmlns:ma14="http://schemas.microsoft.com/office/mac/drawingml/2011/main" xmlns="" val="1"/>
+              <ma14:wrappingTextBoxFlag xmlns="" xmlns:ma14="http://schemas.microsoft.com/office/mac/drawingml/2011/main" val="1"/>
             </a:ext>
           </a:extLst>
         </p:spPr>
@@ -4364,9 +4364,10 @@
             <a:p>
               <a:pPr algn="ctr"/>
               <a:r>
-                <a:rPr lang="en-US" sz="1400" dirty="0"/>
-                <a:t>CA</a:t>
+                <a:rPr lang="ru-RU" sz="1400" dirty="0"/>
+                <a:t>УЦ</a:t>
               </a:r>
+              <a:endParaRPr lang="en-US" sz="1400" dirty="0"/>
             </a:p>
           </p:txBody>
         </p:sp>
@@ -4426,9 +4427,10 @@
             <a:p>
               <a:pPr algn="ctr"/>
               <a:r>
-                <a:rPr lang="en-US" sz="1400" dirty="0"/>
-                <a:t>orderer</a:t>
+                <a:rPr lang="ru-RU" sz="1100" dirty="0"/>
+                <a:t>упорядочивающая служба</a:t>
               </a:r>
+              <a:endParaRPr lang="en-US" sz="1100" dirty="0"/>
             </a:p>
           </p:txBody>
         </p:sp>
@@ -4508,9 +4510,24 @@
               <a:p>
                 <a:pPr algn="ctr"/>
                 <a:r>
-                  <a:rPr lang="en-US" sz="1400" dirty="0"/>
-                  <a:t>ledger database</a:t>
+                  <a:rPr lang="ru-RU" sz="1400" dirty="0"/>
+                  <a:t>база</a:t>
                 </a:r>
+              </a:p>
+              <a:p>
+                <a:pPr algn="ctr"/>
+                <a:r>
+                  <a:rPr lang="ru-RU" sz="1400" dirty="0"/>
+                  <a:t>данных</a:t>
+                </a:r>
+              </a:p>
+              <a:p>
+                <a:pPr algn="ctr"/>
+                <a:r>
+                  <a:rPr lang="ru-RU" sz="1400" dirty="0"/>
+                  <a:t>реестра</a:t>
+                </a:r>
+                <a:endParaRPr lang="en-US" sz="1400" dirty="0"/>
               </a:p>
             </p:txBody>
           </p:sp>
@@ -4570,9 +4587,10 @@
               <a:p>
                 <a:pPr algn="ctr"/>
                 <a:r>
-                  <a:rPr lang="en-US" sz="1400" dirty="0"/>
-                  <a:t>peer</a:t>
+                  <a:rPr lang="ru-RU" sz="1400" dirty="0"/>
+                  <a:t>узел</a:t>
                 </a:r>
+                <a:endParaRPr lang="en-US" sz="1400" dirty="0"/>
               </a:p>
             </p:txBody>
           </p:sp>
@@ -4722,9 +4740,10 @@
           <a:p>
             <a:pPr algn="ctr"/>
             <a:r>
-              <a:rPr lang="en-US" sz="1400" dirty="0"/>
-              <a:t>Application</a:t>
+              <a:rPr lang="ru-RU" sz="1400" dirty="0"/>
+              <a:t>Приложение</a:t>
             </a:r>
+            <a:endParaRPr lang="en-US" sz="1400" dirty="0"/>
           </a:p>
         </p:txBody>
       </p:sp>
@@ -4787,7 +4806,7 @@
         <p:spPr>
           <a:xfrm>
             <a:off x="7008908" y="2710841"/>
-            <a:ext cx="1113444" cy="307775"/>
+            <a:ext cx="1648847" cy="307775"/>
           </a:xfrm>
           <a:prstGeom prst="rect">
             <a:avLst/>
@@ -4835,7 +4854,7 @@
               <a:tabLst/>
             </a:pPr>
             <a:r>
-              <a:rPr kumimoji="0" lang="en-US" sz="1400" b="0" i="0" u="none" strike="noStrike" cap="none" spc="0" normalizeH="0" baseline="0" dirty="0">
+              <a:rPr kumimoji="0" lang="ru-RU" sz="1400" b="0" i="0" u="none" strike="noStrike" cap="none" spc="0" normalizeH="0" baseline="0" dirty="0">
                 <a:ln>
                   <a:noFill/>
                 </a:ln>
@@ -4849,8 +4868,22 @@
                 <a:cs typeface="+mn-cs"/>
                 <a:sym typeface="Calibri"/>
               </a:rPr>
-              <a:t>basic network</a:t>
+              <a:t>базовый состав сети</a:t>
             </a:r>
+            <a:endParaRPr kumimoji="0" lang="en-US" sz="1400" b="0" i="0" u="none" strike="noStrike" cap="none" spc="0" normalizeH="0" baseline="0" dirty="0">
+              <a:ln>
+                <a:noFill/>
+              </a:ln>
+              <a:solidFill>
+                <a:srgbClr val="000000"/>
+              </a:solidFill>
+              <a:effectLst/>
+              <a:uFillTx/>
+              <a:latin typeface="+mn-lt"/>
+              <a:ea typeface="+mn-ea"/>
+              <a:cs typeface="+mn-cs"/>
+              <a:sym typeface="Calibri"/>
+            </a:endParaRPr>
           </a:p>
         </p:txBody>
       </p:sp>
@@ -4992,16 +5025,10 @@
           <a:p>
             <a:pPr algn="ctr"/>
             <a:r>
-              <a:rPr lang="en-US" sz="1400" dirty="0"/>
-              <a:t>Administrator</a:t>
+              <a:rPr lang="ru-RU" sz="1200" dirty="0"/>
+              <a:t>Консоль администратора</a:t>
             </a:r>
-          </a:p>
-          <a:p>
-            <a:pPr algn="ctr"/>
-            <a:r>
-              <a:rPr lang="en-US" sz="1400" dirty="0"/>
-              <a:t>console</a:t>
-            </a:r>
+            <a:endParaRPr lang="en-US" sz="1200" dirty="0"/>
           </a:p>
         </p:txBody>
       </p:sp>
@@ -5105,7 +5132,7 @@
           </a:ln>
           <a:extLst>
             <a:ext uri="{C572A759-6A51-4108-AA02-DFA0A04FC94B}">
-              <ma14:wrappingTextBoxFlag xmlns:ma14="http://schemas.microsoft.com/office/mac/drawingml/2011/main" xmlns="" val="1"/>
+              <ma14:wrappingTextBoxFlag xmlns="" xmlns:ma14="http://schemas.microsoft.com/office/mac/drawingml/2011/main" val="1"/>
             </a:ext>
           </a:extLst>
         </p:spPr>
@@ -5441,9 +5468,10 @@
           <a:p>
             <a:pPr algn="ctr"/>
             <a:r>
-              <a:rPr lang="en-US" sz="1400" dirty="0"/>
-              <a:t>CA</a:t>
+              <a:rPr lang="ru-RU" sz="1400" dirty="0"/>
+              <a:t>УЦ</a:t>
             </a:r>
+            <a:endParaRPr lang="en-US" sz="1400" dirty="0"/>
           </a:p>
         </p:txBody>
       </p:sp>
@@ -5503,9 +5531,10 @@
           <a:p>
             <a:pPr algn="ctr"/>
             <a:r>
-              <a:rPr lang="en-US" sz="1400" dirty="0"/>
-              <a:t>orderer</a:t>
+              <a:rPr lang="ru-RU" sz="1100" dirty="0"/>
+              <a:t>упорядочивающая служба</a:t>
             </a:r>
+            <a:endParaRPr lang="en-US" sz="1100" dirty="0"/>
           </a:p>
         </p:txBody>
       </p:sp>
@@ -5565,9 +5594,24 @@
           <a:p>
             <a:pPr algn="ctr"/>
             <a:r>
-              <a:rPr lang="en-US" sz="1400" dirty="0"/>
-              <a:t>ledger database</a:t>
+              <a:rPr lang="ru-RU" sz="1400" dirty="0"/>
+              <a:t>база</a:t>
             </a:r>
+          </a:p>
+          <a:p>
+            <a:pPr algn="ctr"/>
+            <a:r>
+              <a:rPr lang="ru-RU" sz="1400" dirty="0"/>
+              <a:t>данных</a:t>
+            </a:r>
+          </a:p>
+          <a:p>
+            <a:pPr algn="ctr"/>
+            <a:r>
+              <a:rPr lang="ru-RU" sz="1400" dirty="0"/>
+              <a:t>реестра</a:t>
+            </a:r>
+            <a:endParaRPr lang="en-US" sz="1400" dirty="0"/>
           </a:p>
         </p:txBody>
       </p:sp>
@@ -5715,9 +5759,10 @@
           <a:p>
             <a:pPr algn="ctr"/>
             <a:r>
-              <a:rPr lang="en-US" sz="1400" dirty="0"/>
-              <a:t>Application</a:t>
+              <a:rPr lang="ru-RU" sz="1400" dirty="0"/>
+              <a:t>Приложение</a:t>
             </a:r>
+            <a:endParaRPr lang="en-US" sz="1400" dirty="0"/>
           </a:p>
         </p:txBody>
       </p:sp>
@@ -5905,9 +5950,10 @@
           <a:p>
             <a:pPr algn="ctr"/>
             <a:r>
-              <a:rPr lang="en-US" sz="1400" dirty="0"/>
-              <a:t>Application</a:t>
+              <a:rPr lang="ru-RU" sz="1400" dirty="0"/>
+              <a:t>Приложение</a:t>
             </a:r>
+            <a:endParaRPr lang="en-US" sz="1400" dirty="0"/>
           </a:p>
         </p:txBody>
       </p:sp>
@@ -6177,16 +6223,17 @@
           <a:p>
             <a:pPr algn="ctr"/>
             <a:r>
-              <a:rPr lang="en-US" sz="1400" dirty="0"/>
-              <a:t>Administrator</a:t>
+              <a:rPr lang="ru-RU" sz="1200" dirty="0"/>
+              <a:t>Консоль </a:t>
             </a:r>
           </a:p>
           <a:p>
             <a:pPr algn="ctr"/>
             <a:r>
-              <a:rPr lang="en-US" sz="1400" dirty="0"/>
-              <a:t>console</a:t>
+              <a:rPr lang="ru-RU" sz="1200" dirty="0"/>
+              <a:t>администратора</a:t>
             </a:r>
+            <a:endParaRPr lang="en-US" sz="1200" dirty="0"/>
           </a:p>
         </p:txBody>
       </p:sp>
@@ -6246,9 +6293,17 @@
           <a:p>
             <a:pPr algn="ctr"/>
             <a:r>
-              <a:rPr lang="en-US" sz="1400" dirty="0"/>
-              <a:t>Administrator console</a:t>
+              <a:rPr lang="ru-RU" sz="1200" dirty="0"/>
+              <a:t>Консоль </a:t>
             </a:r>
+          </a:p>
+          <a:p>
+            <a:pPr algn="ctr"/>
+            <a:r>
+              <a:rPr lang="ru-RU" sz="1200" dirty="0"/>
+              <a:t>администратора</a:t>
+            </a:r>
+            <a:endParaRPr lang="en-US" sz="1200" dirty="0"/>
           </a:p>
         </p:txBody>
       </p:sp>
@@ -6308,9 +6363,14 @@
           <a:p>
             <a:pPr algn="ctr"/>
             <a:r>
-              <a:rPr lang="en-US" sz="1400" dirty="0"/>
-              <a:t>Chaincode container</a:t>
+              <a:rPr lang="ru-RU" sz="1400" dirty="0"/>
+              <a:t>Контейнер </a:t>
             </a:r>
+            <a:r>
+              <a:rPr lang="ru-RU" sz="1400" dirty="0" err="1"/>
+              <a:t>чейнкода</a:t>
+            </a:r>
+            <a:endParaRPr lang="en-US" sz="1400" dirty="0"/>
           </a:p>
         </p:txBody>
       </p:sp>
@@ -6443,9 +6503,10 @@
           <a:p>
             <a:pPr algn="ctr"/>
             <a:r>
-              <a:rPr lang="en-US" sz="1400" dirty="0"/>
-              <a:t>peer</a:t>
+              <a:rPr lang="ru-RU" sz="1400" dirty="0"/>
+              <a:t>узел</a:t>
             </a:r>
+            <a:endParaRPr lang="en-US" sz="1400" dirty="0"/>
           </a:p>
         </p:txBody>
       </p:sp>
@@ -6549,7 +6610,7 @@
           </a:ln>
           <a:extLst>
             <a:ext uri="{C572A759-6A51-4108-AA02-DFA0A04FC94B}">
-              <ma14:wrappingTextBoxFlag xmlns:ma14="http://schemas.microsoft.com/office/mac/drawingml/2011/main" xmlns="" val="1"/>
+              <ma14:wrappingTextBoxFlag xmlns="" xmlns:ma14="http://schemas.microsoft.com/office/mac/drawingml/2011/main" val="1"/>
             </a:ext>
           </a:extLst>
         </p:spPr>
@@ -6885,9 +6946,24 @@
           <a:p>
             <a:pPr algn="ctr"/>
             <a:r>
-              <a:rPr lang="en-US" sz="1400" dirty="0"/>
-              <a:t>ledger database</a:t>
+              <a:rPr lang="ru-RU" sz="1400" dirty="0"/>
+              <a:t>база</a:t>
             </a:r>
+          </a:p>
+          <a:p>
+            <a:pPr algn="ctr"/>
+            <a:r>
+              <a:rPr lang="ru-RU" sz="1400" dirty="0"/>
+              <a:t>данных</a:t>
+            </a:r>
+          </a:p>
+          <a:p>
+            <a:pPr algn="ctr"/>
+            <a:r>
+              <a:rPr lang="ru-RU" sz="1400" dirty="0"/>
+              <a:t>реестра</a:t>
+            </a:r>
+            <a:endParaRPr lang="en-US" sz="1400" dirty="0"/>
           </a:p>
         </p:txBody>
       </p:sp>
@@ -7243,16 +7319,17 @@
           <a:p>
             <a:pPr algn="ctr"/>
             <a:r>
-              <a:rPr lang="en-US" sz="1400" dirty="0"/>
-              <a:t>MagnetoCorp</a:t>
+              <a:rPr lang="ru-RU" sz="1400" dirty="0"/>
+              <a:t>узел </a:t>
             </a:r>
           </a:p>
           <a:p>
             <a:pPr algn="ctr"/>
             <a:r>
-              <a:rPr lang="en-US" sz="1400" dirty="0"/>
-              <a:t>peer</a:t>
+              <a:rPr lang="en-US" sz="1400" dirty="0" err="1"/>
+              <a:t>MagnetoCorp</a:t>
             </a:r>
+            <a:endParaRPr lang="en-US" sz="1400" dirty="0"/>
           </a:p>
         </p:txBody>
       </p:sp>
@@ -7271,7 +7348,7 @@
         <p:spPr>
           <a:xfrm>
             <a:off x="5512992" y="3482428"/>
-            <a:ext cx="529951" cy="307775"/>
+            <a:ext cx="933908" cy="307775"/>
           </a:xfrm>
           <a:prstGeom prst="rect">
             <a:avLst/>
@@ -7319,7 +7396,7 @@
               <a:tabLst/>
             </a:pPr>
             <a:r>
-              <a:rPr kumimoji="0" lang="en-US" sz="1400" b="0" i="0" u="none" strike="noStrike" cap="none" spc="0" normalizeH="0" baseline="0" dirty="0">
+              <a:rPr kumimoji="0" lang="ru-RU" sz="1400" b="0" i="0" u="none" strike="noStrike" cap="none" spc="0" normalizeH="0" baseline="0" dirty="0">
                 <a:ln>
                   <a:noFill/>
                 </a:ln>
@@ -7333,8 +7410,22 @@
                 <a:cs typeface="+mn-cs"/>
                 <a:sym typeface="Calibri"/>
               </a:rPr>
-              <a:t>install</a:t>
+              <a:t>установить</a:t>
             </a:r>
+            <a:endParaRPr kumimoji="0" lang="en-US" sz="1400" b="0" i="0" u="none" strike="noStrike" cap="none" spc="0" normalizeH="0" baseline="0" dirty="0">
+              <a:ln>
+                <a:noFill/>
+              </a:ln>
+              <a:solidFill>
+                <a:srgbClr val="000000"/>
+              </a:solidFill>
+              <a:effectLst/>
+              <a:uFillTx/>
+              <a:latin typeface="+mn-lt"/>
+              <a:ea typeface="+mn-ea"/>
+              <a:cs typeface="+mn-cs"/>
+              <a:sym typeface="Calibri"/>
+            </a:endParaRPr>
           </a:p>
         </p:txBody>
       </p:sp>
@@ -7483,8 +7574,8 @@
         </p:nvSpPr>
         <p:spPr>
           <a:xfrm>
-            <a:off x="3152449" y="3931962"/>
-            <a:ext cx="1761058" cy="461663"/>
+            <a:off x="2964103" y="3931962"/>
+            <a:ext cx="2137764" cy="276997"/>
           </a:xfrm>
           <a:prstGeom prst="rect">
             <a:avLst/>
@@ -7532,61 +7623,23 @@
               <a:tabLst/>
             </a:pPr>
             <a:r>
-              <a:rPr lang="en-US" sz="1200" dirty="0"/>
-              <a:t>development c</a:t>
+              <a:rPr lang="ru-RU" sz="1200" dirty="0"/>
+              <a:t>локальная копия разработчика</a:t>
             </a:r>
-            <a:r>
-              <a:rPr kumimoji="0" lang="en-US" sz="1200" b="0" i="0" u="none" strike="noStrike" cap="none" spc="0" normalizeH="0" baseline="0" dirty="0">
-                <a:ln>
-                  <a:noFill/>
-                </a:ln>
-                <a:solidFill>
-                  <a:srgbClr val="000000"/>
-                </a:solidFill>
-                <a:effectLst/>
-                <a:uFillTx/>
-                <a:latin typeface="+mn-lt"/>
-                <a:ea typeface="+mn-ea"/>
-                <a:cs typeface="+mn-cs"/>
-                <a:sym typeface="Calibri"/>
-              </a:rPr>
-              <a:t>opy on</a:t>
-            </a:r>
-          </a:p>
-          <a:p>
-            <a:pPr marL="0" marR="0" indent="0" algn="ctr" defTabSz="914400" rtl="0" fontAlgn="auto" latinLnBrk="0" hangingPunct="0">
-              <a:lnSpc>
-                <a:spcPct val="100000"/>
-              </a:lnSpc>
-              <a:spcBef>
-                <a:spcPts val="0"/>
-              </a:spcBef>
-              <a:spcAft>
-                <a:spcPts val="0"/>
-              </a:spcAft>
-              <a:buClrTx/>
-              <a:buSzTx/>
-              <a:buFontTx/>
-              <a:buNone/>
-              <a:tabLst/>
-            </a:pPr>
-            <a:r>
-              <a:rPr kumimoji="0" lang="en-US" sz="1200" b="0" i="0" u="none" strike="noStrike" cap="none" spc="0" normalizeH="0" baseline="0" dirty="0">
-                <a:ln>
-                  <a:noFill/>
-                </a:ln>
-                <a:solidFill>
-                  <a:srgbClr val="000000"/>
-                </a:solidFill>
-                <a:effectLst/>
-                <a:uFillTx/>
-                <a:latin typeface="+mn-lt"/>
-                <a:ea typeface="+mn-ea"/>
-                <a:cs typeface="+mn-cs"/>
-                <a:sym typeface="Calibri"/>
-              </a:rPr>
-              <a:t>local machine’s file system</a:t>
-            </a:r>
+            <a:endParaRPr kumimoji="0" lang="en-US" sz="1200" b="0" i="0" u="none" strike="noStrike" cap="none" spc="0" normalizeH="0" baseline="0" dirty="0">
+              <a:ln>
+                <a:noFill/>
+              </a:ln>
+              <a:solidFill>
+                <a:srgbClr val="000000"/>
+              </a:solidFill>
+              <a:effectLst/>
+              <a:uFillTx/>
+              <a:latin typeface="+mn-lt"/>
+              <a:ea typeface="+mn-ea"/>
+              <a:cs typeface="+mn-cs"/>
+              <a:sym typeface="Calibri"/>
+            </a:endParaRPr>
           </a:p>
         </p:txBody>
       </p:sp>
@@ -7604,8 +7657,8 @@
         </p:nvSpPr>
         <p:spPr>
           <a:xfrm>
-            <a:off x="7233061" y="4430724"/>
-            <a:ext cx="621323" cy="461663"/>
+            <a:off x="7011849" y="4430724"/>
+            <a:ext cx="1063751" cy="461663"/>
           </a:xfrm>
           <a:prstGeom prst="rect">
             <a:avLst/>
@@ -7653,8 +7706,8 @@
               <a:tabLst/>
             </a:pPr>
             <a:r>
-              <a:rPr lang="en-US" sz="1200" dirty="0"/>
-              <a:t>installed</a:t>
+              <a:rPr lang="ru-RU" sz="1200" dirty="0"/>
+              <a:t>установленная</a:t>
             </a:r>
           </a:p>
           <a:p>
@@ -7675,7 +7728,7 @@
               <a:tabLst/>
             </a:pPr>
             <a:r>
-              <a:rPr kumimoji="0" lang="en-US" sz="1200" b="0" i="0" u="none" strike="noStrike" cap="none" spc="0" normalizeH="0" baseline="0" dirty="0">
+              <a:rPr kumimoji="0" lang="ru-RU" sz="1200" b="0" i="0" u="none" strike="noStrike" cap="none" spc="0" normalizeH="0" baseline="0" dirty="0">
                 <a:ln>
                   <a:noFill/>
                 </a:ln>
@@ -7689,8 +7742,22 @@
                 <a:cs typeface="+mn-cs"/>
                 <a:sym typeface="Calibri"/>
               </a:rPr>
-              <a:t>version</a:t>
+              <a:t>версия</a:t>
             </a:r>
+            <a:endParaRPr kumimoji="0" lang="en-US" sz="1200" b="0" i="0" u="none" strike="noStrike" cap="none" spc="0" normalizeH="0" baseline="0" dirty="0">
+              <a:ln>
+                <a:noFill/>
+              </a:ln>
+              <a:solidFill>
+                <a:srgbClr val="000000"/>
+              </a:solidFill>
+              <a:effectLst/>
+              <a:uFillTx/>
+              <a:latin typeface="+mn-lt"/>
+              <a:ea typeface="+mn-ea"/>
+              <a:cs typeface="+mn-cs"/>
+              <a:sym typeface="Calibri"/>
+            </a:endParaRPr>
           </a:p>
         </p:txBody>
       </p:sp>
@@ -8107,7 +8174,7 @@
           </a:ln>
           <a:extLst>
             <a:ext uri="{C572A759-6A51-4108-AA02-DFA0A04FC94B}">
-              <ma14:wrappingTextBoxFlag xmlns:ma14="http://schemas.microsoft.com/office/mac/drawingml/2011/main" xmlns="" val="1"/>
+              <ma14:wrappingTextBoxFlag xmlns="" xmlns:ma14="http://schemas.microsoft.com/office/mac/drawingml/2011/main" val="1"/>
             </a:ext>
           </a:extLst>
         </p:spPr>
@@ -8443,9 +8510,17 @@
           <a:p>
             <a:pPr algn="ctr"/>
             <a:r>
-              <a:rPr lang="en-US" sz="1400" dirty="0"/>
-              <a:t>ledger database</a:t>
+              <a:rPr lang="ru-RU" sz="1400" dirty="0"/>
+              <a:t>база</a:t>
             </a:r>
+          </a:p>
+          <a:p>
+            <a:pPr algn="ctr"/>
+            <a:r>
+              <a:rPr lang="ru-RU" sz="1400" dirty="0"/>
+              <a:t>данных реестра</a:t>
+            </a:r>
+            <a:endParaRPr lang="en-US" sz="1400" dirty="0"/>
           </a:p>
         </p:txBody>
       </p:sp>
@@ -8757,16 +8832,17 @@
           <a:p>
             <a:pPr algn="ctr"/>
             <a:r>
-              <a:rPr lang="en-US" sz="1400" dirty="0"/>
-              <a:t>MagnetoCorp</a:t>
+              <a:rPr lang="ru-RU" sz="1400" dirty="0"/>
+              <a:t>узел </a:t>
             </a:r>
           </a:p>
           <a:p>
             <a:pPr algn="ctr"/>
             <a:r>
-              <a:rPr lang="en-US" sz="1400" dirty="0"/>
-              <a:t>peer</a:t>
+              <a:rPr lang="en-US" sz="1400" dirty="0" err="1"/>
+              <a:t>MagnetoCorp</a:t>
             </a:r>
+            <a:endParaRPr lang="en-US" sz="1400" dirty="0"/>
           </a:p>
         </p:txBody>
       </p:sp>
@@ -8784,8 +8860,8 @@
         </p:nvSpPr>
         <p:spPr>
           <a:xfrm>
-            <a:off x="7233061" y="4430724"/>
-            <a:ext cx="621323" cy="461663"/>
+            <a:off x="7011847" y="4430724"/>
+            <a:ext cx="1063751" cy="461663"/>
           </a:xfrm>
           <a:prstGeom prst="rect">
             <a:avLst/>
@@ -8816,61 +8892,19 @@
           </a:bodyPr>
           <a:lstStyle/>
           <a:p>
-            <a:pPr marL="0" marR="0" indent="0" algn="ctr" defTabSz="914400" rtl="0" fontAlgn="auto" latinLnBrk="0" hangingPunct="0">
-              <a:lnSpc>
-                <a:spcPct val="100000"/>
-              </a:lnSpc>
-              <a:spcBef>
-                <a:spcPts val="0"/>
-              </a:spcBef>
-              <a:spcAft>
-                <a:spcPts val="0"/>
-              </a:spcAft>
-              <a:buClrTx/>
-              <a:buSzTx/>
-              <a:buFontTx/>
-              <a:buNone/>
-              <a:tabLst/>
-            </a:pPr>
+            <a:pPr algn="ctr"/>
             <a:r>
-              <a:rPr lang="en-US" sz="1200" dirty="0"/>
-              <a:t>installed</a:t>
+              <a:rPr lang="ru-RU" sz="1200" dirty="0"/>
+              <a:t>установленная</a:t>
             </a:r>
           </a:p>
           <a:p>
-            <a:pPr marL="0" marR="0" indent="0" algn="ctr" defTabSz="914400" rtl="0" fontAlgn="auto" latinLnBrk="0" hangingPunct="0">
-              <a:lnSpc>
-                <a:spcPct val="100000"/>
-              </a:lnSpc>
-              <a:spcBef>
-                <a:spcPts val="0"/>
-              </a:spcBef>
-              <a:spcAft>
-                <a:spcPts val="0"/>
-              </a:spcAft>
-              <a:buClrTx/>
-              <a:buSzTx/>
-              <a:buFontTx/>
-              <a:buNone/>
-              <a:tabLst/>
-            </a:pPr>
+            <a:pPr algn="ctr"/>
             <a:r>
-              <a:rPr kumimoji="0" lang="en-US" sz="1200" b="0" i="0" u="none" strike="noStrike" cap="none" spc="0" normalizeH="0" baseline="0" dirty="0">
-                <a:ln>
-                  <a:noFill/>
-                </a:ln>
-                <a:solidFill>
-                  <a:srgbClr val="000000"/>
-                </a:solidFill>
-                <a:effectLst/>
-                <a:uFillTx/>
-                <a:latin typeface="+mn-lt"/>
-                <a:ea typeface="+mn-ea"/>
-                <a:cs typeface="+mn-cs"/>
-                <a:sym typeface="Calibri"/>
-              </a:rPr>
-              <a:t>version</a:t>
+              <a:rPr lang="ru-RU" sz="1200" dirty="0"/>
+              <a:t>версия</a:t>
             </a:r>
+            <a:endParaRPr lang="en-US" sz="1200" dirty="0"/>
           </a:p>
         </p:txBody>
       </p:sp>
@@ -9177,7 +9211,7 @@
         <p:spPr>
           <a:xfrm>
             <a:off x="5512992" y="3482428"/>
-            <a:ext cx="529951" cy="307775"/>
+            <a:ext cx="933908" cy="307775"/>
           </a:xfrm>
           <a:prstGeom prst="rect">
             <a:avLst/>
@@ -9225,7 +9259,7 @@
               <a:tabLst/>
             </a:pPr>
             <a:r>
-              <a:rPr kumimoji="0" lang="en-US" sz="1400" b="0" i="0" u="none" strike="noStrike" cap="none" spc="0" normalizeH="0" baseline="0" dirty="0">
+              <a:rPr kumimoji="0" lang="ru-RU" sz="1400" b="0" i="0" u="none" strike="noStrike" cap="none" spc="0" normalizeH="0" baseline="0" dirty="0">
                 <a:ln>
                   <a:noFill/>
                 </a:ln>
@@ -9239,8 +9273,22 @@
                 <a:cs typeface="+mn-cs"/>
                 <a:sym typeface="Calibri"/>
               </a:rPr>
-              <a:t>install</a:t>
+              <a:t>установить</a:t>
             </a:r>
+            <a:endParaRPr kumimoji="0" lang="en-US" sz="1400" b="0" i="0" u="none" strike="noStrike" cap="none" spc="0" normalizeH="0" baseline="0" dirty="0">
+              <a:ln>
+                <a:noFill/>
+              </a:ln>
+              <a:solidFill>
+                <a:srgbClr val="000000"/>
+              </a:solidFill>
+              <a:effectLst/>
+              <a:uFillTx/>
+              <a:latin typeface="+mn-lt"/>
+              <a:ea typeface="+mn-ea"/>
+              <a:cs typeface="+mn-cs"/>
+              <a:sym typeface="Calibri"/>
+            </a:endParaRPr>
           </a:p>
         </p:txBody>
       </p:sp>
@@ -9258,8 +9306,8 @@
         </p:nvSpPr>
         <p:spPr>
           <a:xfrm>
-            <a:off x="3152449" y="3931962"/>
-            <a:ext cx="1761058" cy="461663"/>
+            <a:off x="2964097" y="3931962"/>
+            <a:ext cx="2137763" cy="276997"/>
           </a:xfrm>
           <a:prstGeom prst="rect">
             <a:avLst/>
@@ -9290,78 +9338,12 @@
           </a:bodyPr>
           <a:lstStyle/>
           <a:p>
-            <a:pPr marL="0" marR="0" indent="0" algn="ctr" defTabSz="914400" rtl="0" fontAlgn="auto" latinLnBrk="0" hangingPunct="0">
-              <a:lnSpc>
-                <a:spcPct val="100000"/>
-              </a:lnSpc>
-              <a:spcBef>
-                <a:spcPts val="0"/>
-              </a:spcBef>
-              <a:spcAft>
-                <a:spcPts val="0"/>
-              </a:spcAft>
-              <a:buClrTx/>
-              <a:buSzTx/>
-              <a:buFontTx/>
-              <a:buNone/>
-              <a:tabLst/>
-            </a:pPr>
+            <a:pPr algn="ctr"/>
             <a:r>
-              <a:rPr lang="en-US" sz="1200" dirty="0"/>
-              <a:t>development c</a:t>
+              <a:rPr lang="ru-RU" sz="1200" dirty="0"/>
+              <a:t>локальная копия разработчика</a:t>
             </a:r>
-            <a:r>
-              <a:rPr kumimoji="0" lang="en-US" sz="1200" b="0" i="0" u="none" strike="noStrike" cap="none" spc="0" normalizeH="0" baseline="0" dirty="0">
-                <a:ln>
-                  <a:noFill/>
-                </a:ln>
-                <a:solidFill>
-                  <a:srgbClr val="000000"/>
-                </a:solidFill>
-                <a:effectLst/>
-                <a:uFillTx/>
-                <a:latin typeface="+mn-lt"/>
-                <a:ea typeface="+mn-ea"/>
-                <a:cs typeface="+mn-cs"/>
-                <a:sym typeface="Calibri"/>
-              </a:rPr>
-              <a:t>opy on</a:t>
-            </a:r>
-          </a:p>
-          <a:p>
-            <a:pPr marL="0" marR="0" indent="0" algn="ctr" defTabSz="914400" rtl="0" fontAlgn="auto" latinLnBrk="0" hangingPunct="0">
-              <a:lnSpc>
-                <a:spcPct val="100000"/>
-              </a:lnSpc>
-              <a:spcBef>
-                <a:spcPts val="0"/>
-              </a:spcBef>
-              <a:spcAft>
-                <a:spcPts val="0"/>
-              </a:spcAft>
-              <a:buClrTx/>
-              <a:buSzTx/>
-              <a:buFontTx/>
-              <a:buNone/>
-              <a:tabLst/>
-            </a:pPr>
-            <a:r>
-              <a:rPr kumimoji="0" lang="en-US" sz="1200" b="0" i="0" u="none" strike="noStrike" cap="none" spc="0" normalizeH="0" baseline="0" dirty="0">
-                <a:ln>
-                  <a:noFill/>
-                </a:ln>
-                <a:solidFill>
-                  <a:srgbClr val="000000"/>
-                </a:solidFill>
-                <a:effectLst/>
-                <a:uFillTx/>
-                <a:latin typeface="+mn-lt"/>
-                <a:ea typeface="+mn-ea"/>
-                <a:cs typeface="+mn-cs"/>
-                <a:sym typeface="Calibri"/>
-              </a:rPr>
-              <a:t>local machine’s file system</a:t>
-            </a:r>
+            <a:endParaRPr lang="en-US" sz="1200" dirty="0"/>
           </a:p>
         </p:txBody>
       </p:sp>
@@ -9571,9 +9553,14 @@
           <a:p>
             <a:pPr algn="ctr"/>
             <a:r>
-              <a:rPr lang="en-US" sz="1400" dirty="0"/>
-              <a:t>Chaincode container</a:t>
+              <a:rPr lang="ru-RU" sz="1400" dirty="0"/>
+              <a:t>Контейнер </a:t>
             </a:r>
+            <a:r>
+              <a:rPr lang="ru-RU" sz="1400" dirty="0" err="1"/>
+              <a:t>чейнкода</a:t>
+            </a:r>
+            <a:endParaRPr lang="en-US" sz="1400" dirty="0"/>
           </a:p>
         </p:txBody>
       </p:sp>
@@ -9646,7 +9633,7 @@
           </a:ln>
           <a:extLst>
             <a:ext uri="{C572A759-6A51-4108-AA02-DFA0A04FC94B}">
-              <ma14:wrappingTextBoxFlag xmlns:ma14="http://schemas.microsoft.com/office/mac/drawingml/2011/main" xmlns="" val="1"/>
+              <ma14:wrappingTextBoxFlag xmlns="" xmlns:ma14="http://schemas.microsoft.com/office/mac/drawingml/2011/main" val="1"/>
             </a:ext>
           </a:extLst>
         </p:spPr>
@@ -10248,16 +10235,14 @@
           <a:p>
             <a:pPr algn="ctr"/>
             <a:r>
-              <a:rPr lang="en-US" sz="1400" dirty="0"/>
+              <a:rPr lang="ru-RU" sz="1400" dirty="0"/>
+              <a:t>узел </a:t>
+            </a:r>
+            <a:r>
+              <a:rPr lang="en-US" sz="1400" dirty="0" err="1"/>
               <a:t>MagnetoCorp</a:t>
             </a:r>
-          </a:p>
-          <a:p>
-            <a:pPr algn="ctr"/>
-            <a:r>
-              <a:rPr lang="en-US" sz="1400" dirty="0"/>
-              <a:t>peer</a:t>
-            </a:r>
+            <a:endParaRPr lang="en-US" sz="1400" dirty="0"/>
           </a:p>
         </p:txBody>
       </p:sp>
@@ -10595,7 +10580,7 @@
         <p:spPr>
           <a:xfrm>
             <a:off x="7480287" y="3081286"/>
-            <a:ext cx="557202" cy="307775"/>
+            <a:ext cx="679030" cy="307775"/>
           </a:xfrm>
           <a:prstGeom prst="rect">
             <a:avLst/>
@@ -10643,7 +10628,7 @@
               <a:tabLst/>
             </a:pPr>
             <a:r>
-              <a:rPr kumimoji="0" lang="en-US" sz="1400" b="0" i="0" u="none" strike="noStrike" cap="none" spc="0" normalizeH="0" baseline="0" dirty="0">
+              <a:rPr kumimoji="0" lang="ru-RU" sz="1400" b="0" i="0" u="none" strike="noStrike" cap="none" spc="0" normalizeH="0" baseline="0" dirty="0">
                 <a:ln>
                   <a:noFill/>
                 </a:ln>
@@ -10657,8 +10642,22 @@
                 <a:cs typeface="+mn-cs"/>
                 <a:sym typeface="Calibri"/>
               </a:rPr>
-              <a:t>create</a:t>
+              <a:t>создать</a:t>
             </a:r>
+            <a:endParaRPr kumimoji="0" lang="en-US" sz="1400" b="0" i="0" u="none" strike="noStrike" cap="none" spc="0" normalizeH="0" baseline="0" dirty="0">
+              <a:ln>
+                <a:noFill/>
+              </a:ln>
+              <a:solidFill>
+                <a:srgbClr val="000000"/>
+              </a:solidFill>
+              <a:effectLst/>
+              <a:uFillTx/>
+              <a:latin typeface="+mn-lt"/>
+              <a:ea typeface="+mn-ea"/>
+              <a:cs typeface="+mn-cs"/>
+              <a:sym typeface="Calibri"/>
+            </a:endParaRPr>
           </a:p>
         </p:txBody>
       </p:sp>
@@ -10887,7 +10886,7 @@
         <p:spPr>
           <a:xfrm>
             <a:off x="8670081" y="4547523"/>
-            <a:ext cx="438580" cy="307775"/>
+            <a:ext cx="977189" cy="307775"/>
           </a:xfrm>
           <a:prstGeom prst="rect">
             <a:avLst/>
@@ -10935,7 +10934,7 @@
               <a:tabLst/>
             </a:pPr>
             <a:r>
-              <a:rPr kumimoji="0" lang="en-US" sz="1400" b="0" i="0" u="none" strike="noStrike" cap="none" spc="0" normalizeH="0" baseline="0" dirty="0">
+              <a:rPr kumimoji="0" lang="ru-RU" sz="1400" b="0" i="0" u="none" strike="noStrike" cap="none" spc="0" normalizeH="0" baseline="0" dirty="0">
                 <a:ln>
                   <a:noFill/>
                 </a:ln>
@@ -10949,8 +10948,22 @@
                 <a:cs typeface="+mn-cs"/>
                 <a:sym typeface="Calibri"/>
               </a:rPr>
-              <a:t>copy</a:t>
+              <a:t>копировать</a:t>
             </a:r>
+            <a:endParaRPr kumimoji="0" lang="en-US" sz="1400" b="0" i="0" u="none" strike="noStrike" cap="none" spc="0" normalizeH="0" baseline="0" dirty="0">
+              <a:ln>
+                <a:noFill/>
+              </a:ln>
+              <a:solidFill>
+                <a:srgbClr val="000000"/>
+              </a:solidFill>
+              <a:effectLst/>
+              <a:uFillTx/>
+              <a:latin typeface="+mn-lt"/>
+              <a:ea typeface="+mn-ea"/>
+              <a:cs typeface="+mn-cs"/>
+              <a:sym typeface="Calibri"/>
+            </a:endParaRPr>
           </a:p>
         </p:txBody>
       </p:sp>
@@ -11041,8 +11054,8 @@
         </p:nvSpPr>
         <p:spPr>
           <a:xfrm>
-            <a:off x="3314819" y="3613612"/>
-            <a:ext cx="1458089" cy="523218"/>
+            <a:off x="2757691" y="3601663"/>
+            <a:ext cx="2612252" cy="307775"/>
           </a:xfrm>
           <a:prstGeom prst="rect">
             <a:avLst/>
@@ -11090,7 +11103,7 @@
               <a:tabLst/>
             </a:pPr>
             <a:r>
-              <a:rPr kumimoji="0" lang="en-US" sz="1400" b="0" i="0" u="none" strike="noStrike" cap="none" spc="0" normalizeH="0" baseline="0" dirty="0">
+              <a:rPr kumimoji="0" lang="ru-RU" sz="1400" b="0" i="0" u="none" strike="noStrike" cap="none" spc="0" normalizeH="0" baseline="0" dirty="0">
                 <a:ln>
                   <a:noFill/>
                 </a:ln>
@@ -11104,14 +11117,10 @@
                 <a:cs typeface="+mn-cs"/>
                 <a:sym typeface="Calibri"/>
               </a:rPr>
-              <a:t>Commit </a:t>
+              <a:t>Записать определение </a:t>
             </a:r>
             <a:r>
-              <a:rPr lang="en-US" sz="1400" dirty="0" err="1"/>
-              <a:t>c</a:t>
-            </a:r>
-            <a:r>
-              <a:rPr kumimoji="0" lang="en-US" sz="1400" b="0" i="0" u="none" strike="noStrike" cap="none" spc="0" normalizeH="0" baseline="0" dirty="0" err="1">
+              <a:rPr kumimoji="0" lang="ru-RU" sz="1400" b="0" i="0" u="none" strike="noStrike" cap="none" spc="0" normalizeH="0" baseline="0" dirty="0" err="1">
                 <a:ln>
                   <a:noFill/>
                 </a:ln>
@@ -11125,43 +11134,7 @@
                 <a:cs typeface="+mn-cs"/>
                 <a:sym typeface="Calibri"/>
               </a:rPr>
-              <a:t>haincode</a:t>
-            </a:r>
-            <a:endParaRPr kumimoji="0" lang="en-US" sz="1400" b="0" i="0" u="none" strike="noStrike" cap="none" spc="0" normalizeH="0" baseline="0" dirty="0">
-              <a:ln>
-                <a:noFill/>
-              </a:ln>
-              <a:solidFill>
-                <a:srgbClr val="000000"/>
-              </a:solidFill>
-              <a:effectLst/>
-              <a:uFillTx/>
-              <a:latin typeface="+mn-lt"/>
-              <a:ea typeface="+mn-ea"/>
-              <a:cs typeface="+mn-cs"/>
-              <a:sym typeface="Calibri"/>
-            </a:endParaRPr>
-          </a:p>
-          <a:p>
-            <a:pPr marL="0" marR="0" indent="0" algn="ctr" defTabSz="914400" rtl="0" fontAlgn="auto" latinLnBrk="0" hangingPunct="0">
-              <a:lnSpc>
-                <a:spcPct val="100000"/>
-              </a:lnSpc>
-              <a:spcBef>
-                <a:spcPts val="0"/>
-              </a:spcBef>
-              <a:spcAft>
-                <a:spcPts val="0"/>
-              </a:spcAft>
-              <a:buClrTx/>
-              <a:buSzTx/>
-              <a:buFontTx/>
-              <a:buNone/>
-              <a:tabLst/>
-            </a:pPr>
-            <a:r>
-              <a:rPr lang="en-US" sz="1400" dirty="0"/>
-              <a:t>Definition</a:t>
+              <a:t>чейнкода</a:t>
             </a:r>
             <a:endParaRPr kumimoji="0" lang="en-US" sz="1400" b="0" i="0" u="none" strike="noStrike" cap="none" spc="0" normalizeH="0" baseline="0" dirty="0">
               <a:ln>
@@ -11313,9 +11286,14 @@
           <a:p>
             <a:pPr algn="ctr"/>
             <a:r>
-              <a:rPr lang="en-US" sz="1400" dirty="0"/>
-              <a:t>Chaincode container</a:t>
+              <a:rPr lang="ru-RU" sz="1400" dirty="0"/>
+              <a:t>Контейнер </a:t>
             </a:r>
+            <a:r>
+              <a:rPr lang="ru-RU" sz="1400" dirty="0" err="1"/>
+              <a:t>чейнкода</a:t>
+            </a:r>
+            <a:endParaRPr lang="en-US" sz="1400" dirty="0"/>
           </a:p>
         </p:txBody>
       </p:sp>
@@ -11388,7 +11366,7 @@
           </a:ln>
           <a:extLst>
             <a:ext uri="{C572A759-6A51-4108-AA02-DFA0A04FC94B}">
-              <ma14:wrappingTextBoxFlag xmlns:ma14="http://schemas.microsoft.com/office/mac/drawingml/2011/main" xmlns="" val="1"/>
+              <ma14:wrappingTextBoxFlag xmlns="" xmlns:ma14="http://schemas.microsoft.com/office/mac/drawingml/2011/main" val="1"/>
             </a:ext>
           </a:extLst>
         </p:spPr>
@@ -12020,16 +11998,17 @@
           <a:p>
             <a:pPr algn="ctr"/>
             <a:r>
-              <a:rPr lang="en-US" sz="1400" dirty="0"/>
-              <a:t>MagnetoCorp</a:t>
+              <a:rPr lang="ru-RU" sz="1400" dirty="0"/>
+              <a:t>узел1</a:t>
             </a:r>
           </a:p>
           <a:p>
             <a:pPr algn="ctr"/>
             <a:r>
-              <a:rPr lang="en-US" sz="1400" dirty="0"/>
-              <a:t>peer1</a:t>
+              <a:rPr lang="en-US" sz="1400" dirty="0" err="1"/>
+              <a:t>MagnetoCorp</a:t>
             </a:r>
+            <a:endParaRPr lang="en-US" sz="1400" dirty="0"/>
           </a:p>
         </p:txBody>
       </p:sp>
@@ -12048,7 +12027,7 @@
         <p:spPr>
           <a:xfrm>
             <a:off x="4269487" y="3583824"/>
-            <a:ext cx="881008" cy="307775"/>
+            <a:ext cx="906656" cy="307775"/>
           </a:xfrm>
           <a:prstGeom prst="rect">
             <a:avLst/>
@@ -12096,7 +12075,7 @@
               <a:tabLst/>
             </a:pPr>
             <a:r>
-              <a:rPr kumimoji="0" lang="en-US" sz="1400" b="0" i="0" u="none" strike="noStrike" cap="none" spc="0" normalizeH="0" baseline="0" dirty="0">
+              <a:rPr kumimoji="0" lang="ru-RU" sz="1400" b="0" i="0" u="none" strike="noStrike" cap="none" spc="0" normalizeH="0" baseline="0" dirty="0">
                 <a:ln>
                   <a:noFill/>
                 </a:ln>
@@ -12110,8 +12089,22 @@
                 <a:cs typeface="+mn-cs"/>
                 <a:sym typeface="Calibri"/>
               </a:rPr>
-              <a:t>instantiate</a:t>
+              <a:t>экземпляр</a:t>
             </a:r>
+            <a:endParaRPr kumimoji="0" lang="en-US" sz="1400" b="0" i="0" u="none" strike="noStrike" cap="none" spc="0" normalizeH="0" baseline="0" dirty="0">
+              <a:ln>
+                <a:noFill/>
+              </a:ln>
+              <a:solidFill>
+                <a:srgbClr val="000000"/>
+              </a:solidFill>
+              <a:effectLst/>
+              <a:uFillTx/>
+              <a:latin typeface="+mn-lt"/>
+              <a:ea typeface="+mn-ea"/>
+              <a:cs typeface="+mn-cs"/>
+              <a:sym typeface="Calibri"/>
+            </a:endParaRPr>
           </a:p>
         </p:txBody>
       </p:sp>
@@ -12253,16 +12246,10 @@
           <a:p>
             <a:pPr algn="ctr"/>
             <a:r>
-              <a:rPr lang="en-US" sz="1400" dirty="0"/>
-              <a:t>Administrator</a:t>
+              <a:rPr lang="ru-RU" sz="1200" dirty="0"/>
+              <a:t>Консоль администратора</a:t>
             </a:r>
-          </a:p>
-          <a:p>
-            <a:pPr algn="ctr"/>
-            <a:r>
-              <a:rPr lang="en-US" sz="1400" dirty="0"/>
-              <a:t>console</a:t>
-            </a:r>
+            <a:endParaRPr lang="en-US" sz="1200" dirty="0"/>
           </a:p>
         </p:txBody>
       </p:sp>
@@ -12567,7 +12554,7 @@
         <p:spPr>
           <a:xfrm>
             <a:off x="7480287" y="3081286"/>
-            <a:ext cx="557202" cy="307775"/>
+            <a:ext cx="679030" cy="307775"/>
           </a:xfrm>
           <a:prstGeom prst="rect">
             <a:avLst/>
@@ -12615,7 +12602,7 @@
               <a:tabLst/>
             </a:pPr>
             <a:r>
-              <a:rPr kumimoji="0" lang="en-US" sz="1400" b="0" i="0" u="none" strike="noStrike" cap="none" spc="0" normalizeH="0" baseline="0" dirty="0">
+              <a:rPr kumimoji="0" lang="ru-RU" sz="1400" b="0" i="0" u="none" strike="noStrike" cap="none" spc="0" normalizeH="0" baseline="0" dirty="0">
                 <a:ln>
                   <a:noFill/>
                 </a:ln>
@@ -12629,8 +12616,22 @@
                 <a:cs typeface="+mn-cs"/>
                 <a:sym typeface="Calibri"/>
               </a:rPr>
-              <a:t>create</a:t>
+              <a:t>создать</a:t>
             </a:r>
+            <a:endParaRPr kumimoji="0" lang="en-US" sz="1400" b="0" i="0" u="none" strike="noStrike" cap="none" spc="0" normalizeH="0" baseline="0" dirty="0">
+              <a:ln>
+                <a:noFill/>
+              </a:ln>
+              <a:solidFill>
+                <a:srgbClr val="000000"/>
+              </a:solidFill>
+              <a:effectLst/>
+              <a:uFillTx/>
+              <a:latin typeface="+mn-lt"/>
+              <a:ea typeface="+mn-ea"/>
+              <a:cs typeface="+mn-cs"/>
+              <a:sym typeface="Calibri"/>
+            </a:endParaRPr>
           </a:p>
         </p:txBody>
       </p:sp>
@@ -12763,16 +12764,17 @@
           <a:p>
             <a:pPr algn="ctr"/>
             <a:r>
-              <a:rPr lang="en-US" sz="1400" dirty="0"/>
-              <a:t>MagnetoCorp</a:t>
+              <a:rPr lang="ru-RU" sz="1400" dirty="0"/>
+              <a:t>узел2</a:t>
             </a:r>
           </a:p>
           <a:p>
             <a:pPr algn="ctr"/>
             <a:r>
-              <a:rPr lang="en-US" sz="1400" dirty="0"/>
-              <a:t>peer2</a:t>
+              <a:rPr lang="en-US" sz="1400" dirty="0" err="1"/>
+              <a:t>MagnetoCorp</a:t>
             </a:r>
+            <a:endParaRPr lang="en-US" sz="1400" dirty="0"/>
           </a:p>
         </p:txBody>
       </p:sp>
@@ -12832,9 +12834,10 @@
           <a:p>
             <a:pPr algn="ctr"/>
             <a:r>
-              <a:rPr lang="en-US" sz="1400" dirty="0"/>
-              <a:t>Orderer</a:t>
+              <a:rPr lang="ru-RU" sz="1100" dirty="0" err="1"/>
+              <a:t>Упорядочиватель</a:t>
             </a:r>
+            <a:endParaRPr lang="en-US" sz="1100" dirty="0"/>
           </a:p>
         </p:txBody>
       </p:sp>
@@ -12991,9 +12994,14 @@
           <a:p>
             <a:pPr algn="ctr"/>
             <a:r>
-              <a:rPr lang="en-US" sz="1400" dirty="0"/>
-              <a:t>Chaincode container</a:t>
+              <a:rPr lang="ru-RU" sz="1400" dirty="0"/>
+              <a:t>Контейнер </a:t>
             </a:r>
+            <a:r>
+              <a:rPr lang="ru-RU" sz="1400" dirty="0" err="1"/>
+              <a:t>чейнкода</a:t>
+            </a:r>
+            <a:endParaRPr lang="en-US" sz="1400" dirty="0"/>
           </a:p>
         </p:txBody>
       </p:sp>
@@ -13133,9 +13141,14 @@
           <a:p>
             <a:pPr algn="ctr"/>
             <a:r>
-              <a:rPr lang="en-US" sz="1400" dirty="0"/>
-              <a:t>Chaincode container</a:t>
+              <a:rPr lang="ru-RU" sz="1400" dirty="0"/>
+              <a:t>Контейнер </a:t>
             </a:r>
+            <a:r>
+              <a:rPr lang="ru-RU" sz="1400" dirty="0" err="1"/>
+              <a:t>чейнкода</a:t>
+            </a:r>
+            <a:endParaRPr lang="en-US" sz="1400" dirty="0"/>
           </a:p>
         </p:txBody>
       </p:sp>
@@ -13208,7 +13221,7 @@
           </a:ln>
           <a:extLst>
             <a:ext uri="{C572A759-6A51-4108-AA02-DFA0A04FC94B}">
-              <ma14:wrappingTextBoxFlag xmlns:ma14="http://schemas.microsoft.com/office/mac/drawingml/2011/main" xmlns="" val="1"/>
+              <ma14:wrappingTextBoxFlag xmlns="" xmlns:ma14="http://schemas.microsoft.com/office/mac/drawingml/2011/main" val="1"/>
             </a:ext>
           </a:extLst>
         </p:spPr>
@@ -13796,16 +13809,17 @@
           <a:p>
             <a:pPr algn="ctr"/>
             <a:r>
-              <a:rPr lang="en-US" sz="1400" dirty="0"/>
-              <a:t>MagnetoCorp</a:t>
+              <a:rPr lang="ru-RU" sz="1400" dirty="0"/>
+              <a:t>узел1</a:t>
             </a:r>
           </a:p>
           <a:p>
             <a:pPr algn="ctr"/>
             <a:r>
-              <a:rPr lang="en-US" sz="1400" dirty="0"/>
-              <a:t>peer1</a:t>
+              <a:rPr lang="en-US" sz="1400" dirty="0" err="1"/>
+              <a:t>MagnetoCorp</a:t>
             </a:r>
+            <a:endParaRPr lang="en-US" sz="1400" dirty="0"/>
           </a:p>
         </p:txBody>
       </p:sp>
@@ -13865,8 +13879,12 @@
           <a:p>
             <a:pPr algn="ctr"/>
             <a:r>
+              <a:rPr lang="ru-RU" sz="1400" dirty="0"/>
+              <a:t>приложение</a:t>
+            </a:r>
+            <a:r>
               <a:rPr lang="en-US" sz="1400" dirty="0"/>
-              <a:t>issue application</a:t>
+              <a:t> “issue”</a:t>
             </a:r>
           </a:p>
         </p:txBody>
@@ -14049,9 +14067,10 @@
           <a:p>
             <a:pPr algn="ctr"/>
             <a:r>
-              <a:rPr lang="en-US" sz="1400" dirty="0"/>
-              <a:t>Orderer</a:t>
+              <a:rPr lang="ru-RU" sz="1100" dirty="0" err="1"/>
+              <a:t>Упорядочиватель</a:t>
             </a:r>
+            <a:endParaRPr lang="en-US" sz="1100" dirty="0"/>
           </a:p>
         </p:txBody>
       </p:sp>
@@ -14807,8 +14826,8 @@
         </p:nvSpPr>
         <p:spPr>
           <a:xfrm>
-            <a:off x="4747450" y="3790844"/>
-            <a:ext cx="693458" cy="307775"/>
+            <a:off x="4750657" y="3790844"/>
+            <a:ext cx="687046" cy="307775"/>
           </a:xfrm>
           <a:prstGeom prst="rect">
             <a:avLst/>
@@ -14856,7 +14875,7 @@
               <a:tabLst/>
             </a:pPr>
             <a:r>
-              <a:rPr kumimoji="0" lang="en-US" sz="1400" b="0" i="0" u="none" strike="noStrike" cap="none" spc="0" normalizeH="0" baseline="0" dirty="0">
+              <a:rPr kumimoji="0" lang="ru-RU" sz="1400" b="0" i="0" u="none" strike="noStrike" cap="none" spc="0" normalizeH="0" baseline="0" dirty="0">
                 <a:ln>
                   <a:noFill/>
                 </a:ln>
@@ -14870,8 +14889,22 @@
                 <a:cs typeface="+mn-cs"/>
                 <a:sym typeface="Calibri"/>
               </a:rPr>
-              <a:t>propose</a:t>
+              <a:t>послать</a:t>
             </a:r>
+            <a:endParaRPr kumimoji="0" lang="en-US" sz="1400" b="0" i="0" u="none" strike="noStrike" cap="none" spc="0" normalizeH="0" baseline="0" dirty="0">
+              <a:ln>
+                <a:noFill/>
+              </a:ln>
+              <a:solidFill>
+                <a:srgbClr val="000000"/>
+              </a:solidFill>
+              <a:effectLst/>
+              <a:uFillTx/>
+              <a:latin typeface="+mn-lt"/>
+              <a:ea typeface="+mn-ea"/>
+              <a:cs typeface="+mn-cs"/>
+              <a:sym typeface="Calibri"/>
+            </a:endParaRPr>
           </a:p>
         </p:txBody>
       </p:sp>
@@ -14889,8 +14922,8 @@
         </p:nvSpPr>
         <p:spPr>
           <a:xfrm>
-            <a:off x="4853614" y="3069335"/>
-            <a:ext cx="496288" cy="307775"/>
+            <a:off x="4565074" y="3069335"/>
+            <a:ext cx="1073370" cy="307775"/>
           </a:xfrm>
           <a:prstGeom prst="rect">
             <a:avLst/>
@@ -14938,7 +14971,7 @@
               <a:tabLst/>
             </a:pPr>
             <a:r>
-              <a:rPr kumimoji="0" lang="en-US" sz="1400" b="0" i="0" u="none" strike="noStrike" cap="none" spc="0" normalizeH="0" baseline="0" dirty="0">
+              <a:rPr kumimoji="0" lang="ru-RU" sz="1400" b="0" i="0" u="none" strike="noStrike" cap="none" spc="0" normalizeH="0" baseline="0" dirty="0">
                 <a:ln>
                   <a:noFill/>
                 </a:ln>
@@ -14952,8 +14985,22 @@
                 <a:cs typeface="+mn-cs"/>
                 <a:sym typeface="Calibri"/>
               </a:rPr>
-              <a:t>order</a:t>
+              <a:t>упорядочить</a:t>
             </a:r>
+            <a:endParaRPr kumimoji="0" lang="en-US" sz="1400" b="0" i="0" u="none" strike="noStrike" cap="none" spc="0" normalizeH="0" baseline="0" dirty="0">
+              <a:ln>
+                <a:noFill/>
+              </a:ln>
+              <a:solidFill>
+                <a:srgbClr val="000000"/>
+              </a:solidFill>
+              <a:effectLst/>
+              <a:uFillTx/>
+              <a:latin typeface="+mn-lt"/>
+              <a:ea typeface="+mn-ea"/>
+              <a:cs typeface="+mn-cs"/>
+              <a:sym typeface="Calibri"/>
+            </a:endParaRPr>
           </a:p>
         </p:txBody>
       </p:sp>
@@ -14971,8 +15018,8 @@
         </p:nvSpPr>
         <p:spPr>
           <a:xfrm>
-            <a:off x="7714694" y="3069335"/>
-            <a:ext cx="804064" cy="307775"/>
+            <a:off x="7691453" y="3069335"/>
+            <a:ext cx="850552" cy="307775"/>
           </a:xfrm>
           <a:prstGeom prst="rect">
             <a:avLst/>
@@ -15020,7 +15067,7 @@
               <a:tabLst/>
             </a:pPr>
             <a:r>
-              <a:rPr kumimoji="0" lang="en-US" sz="1400" b="0" i="0" u="none" strike="noStrike" cap="none" spc="0" normalizeH="0" baseline="0" dirty="0">
+              <a:rPr kumimoji="0" lang="ru-RU" sz="1400" b="0" i="0" u="none" strike="noStrike" cap="none" spc="0" normalizeH="0" baseline="0" dirty="0">
                 <a:ln>
                   <a:noFill/>
                 </a:ln>
@@ -15034,8 +15081,22 @@
                 <a:cs typeface="+mn-cs"/>
                 <a:sym typeface="Calibri"/>
               </a:rPr>
-              <a:t>distribute</a:t>
+              <a:t>разослать</a:t>
             </a:r>
+            <a:endParaRPr kumimoji="0" lang="en-US" sz="1400" b="0" i="0" u="none" strike="noStrike" cap="none" spc="0" normalizeH="0" baseline="0" dirty="0">
+              <a:ln>
+                <a:noFill/>
+              </a:ln>
+              <a:solidFill>
+                <a:srgbClr val="000000"/>
+              </a:solidFill>
+              <a:effectLst/>
+              <a:uFillTx/>
+              <a:latin typeface="+mn-lt"/>
+              <a:ea typeface="+mn-ea"/>
+              <a:cs typeface="+mn-cs"/>
+              <a:sym typeface="Calibri"/>
+            </a:endParaRPr>
           </a:p>
         </p:txBody>
       </p:sp>
@@ -15053,8 +15114,8 @@
         </p:nvSpPr>
         <p:spPr>
           <a:xfrm>
-            <a:off x="6757734" y="4458397"/>
-            <a:ext cx="520333" cy="307775"/>
+            <a:off x="6551750" y="4458397"/>
+            <a:ext cx="932304" cy="307775"/>
           </a:xfrm>
           <a:prstGeom prst="rect">
             <a:avLst/>
@@ -15102,7 +15163,7 @@
               <a:tabLst/>
             </a:pPr>
             <a:r>
-              <a:rPr kumimoji="0" lang="en-US" sz="1400" b="0" i="0" u="none" strike="noStrike" cap="none" spc="0" normalizeH="0" baseline="0" dirty="0">
+              <a:rPr kumimoji="0" lang="ru-RU" sz="1400" b="0" i="0" u="none" strike="noStrike" cap="none" spc="0" normalizeH="0" baseline="0" dirty="0">
                 <a:ln>
                   <a:noFill/>
                 </a:ln>
@@ -15116,8 +15177,22 @@
                 <a:cs typeface="+mn-cs"/>
                 <a:sym typeface="Calibri"/>
               </a:rPr>
-              <a:t>notify</a:t>
+              <a:t>Уведомить</a:t>
             </a:r>
+            <a:endParaRPr kumimoji="0" lang="en-US" sz="1400" b="0" i="0" u="none" strike="noStrike" cap="none" spc="0" normalizeH="0" baseline="0" dirty="0">
+              <a:ln>
+                <a:noFill/>
+              </a:ln>
+              <a:solidFill>
+                <a:srgbClr val="000000"/>
+              </a:solidFill>
+              <a:effectLst/>
+              <a:uFillTx/>
+              <a:latin typeface="+mn-lt"/>
+              <a:ea typeface="+mn-ea"/>
+              <a:cs typeface="+mn-cs"/>
+              <a:sym typeface="Calibri"/>
+            </a:endParaRPr>
           </a:p>
         </p:txBody>
       </p:sp>
@@ -15135,8 +15210,8 @@
         </p:nvSpPr>
         <p:spPr>
           <a:xfrm>
-            <a:off x="3522044" y="4142794"/>
-            <a:ext cx="597277" cy="307775"/>
+            <a:off x="3487580" y="4142794"/>
+            <a:ext cx="666206" cy="276997"/>
           </a:xfrm>
           <a:prstGeom prst="rect">
             <a:avLst/>
@@ -15184,22 +15259,23 @@
               <a:tabLst/>
             </a:pPr>
             <a:r>
-              <a:rPr kumimoji="0" lang="en-US" sz="1400" b="0" i="0" u="none" strike="noStrike" cap="none" spc="0" normalizeH="0" baseline="0" dirty="0">
-                <a:ln>
-                  <a:noFill/>
-                </a:ln>
-                <a:solidFill>
-                  <a:srgbClr val="000000"/>
-                </a:solidFill>
-                <a:effectLst/>
-                <a:uFillTx/>
-                <a:latin typeface="+mn-lt"/>
-                <a:ea typeface="+mn-ea"/>
-                <a:cs typeface="+mn-cs"/>
-                <a:sym typeface="Calibri"/>
-              </a:rPr>
-              <a:t>submit</a:t>
+              <a:rPr lang="ru-RU" sz="1200" dirty="0"/>
+              <a:t>записать</a:t>
             </a:r>
+            <a:endParaRPr kumimoji="0" lang="en-US" sz="1200" b="0" i="0" u="none" strike="noStrike" cap="none" spc="0" normalizeH="0" baseline="0" dirty="0">
+              <a:ln>
+                <a:noFill/>
+              </a:ln>
+              <a:solidFill>
+                <a:srgbClr val="000000"/>
+              </a:solidFill>
+              <a:effectLst/>
+              <a:uFillTx/>
+              <a:latin typeface="+mn-lt"/>
+              <a:ea typeface="+mn-ea"/>
+              <a:cs typeface="+mn-cs"/>
+              <a:sym typeface="Calibri"/>
+            </a:endParaRPr>
           </a:p>
         </p:txBody>
       </p:sp>
@@ -15631,7 +15707,7 @@
           </a:ln>
           <a:extLst>
             <a:ext uri="{C572A759-6A51-4108-AA02-DFA0A04FC94B}">
-              <ma14:wrappingTextBoxFlag xmlns:ma14="http://schemas.microsoft.com/office/mac/drawingml/2011/main" xmlns="" val="1"/>
+              <ma14:wrappingTextBoxFlag xmlns="" xmlns:ma14="http://schemas.microsoft.com/office/mac/drawingml/2011/main" val="1"/>
             </a:ext>
           </a:extLst>
         </p:spPr>
@@ -16288,8 +16364,12 @@
           <a:p>
             <a:pPr algn="ctr"/>
             <a:r>
+              <a:rPr lang="ru-RU" sz="1400" dirty="0"/>
+              <a:t>приложение </a:t>
+            </a:r>
+            <a:r>
               <a:rPr lang="en-US" sz="1400" dirty="0"/>
-              <a:t>issue application</a:t>
+              <a:t>“issue”</a:t>
             </a:r>
           </a:p>
         </p:txBody>
@@ -16956,8 +17036,8 @@
         </p:nvSpPr>
         <p:spPr>
           <a:xfrm>
-            <a:off x="3494269" y="3540565"/>
-            <a:ext cx="597277" cy="307775"/>
+            <a:off x="3449386" y="3540565"/>
+            <a:ext cx="687046" cy="307775"/>
           </a:xfrm>
           <a:prstGeom prst="rect">
             <a:avLst/>
@@ -17005,7 +17085,7 @@
               <a:tabLst/>
             </a:pPr>
             <a:r>
-              <a:rPr kumimoji="0" lang="en-US" sz="1400" b="0" i="0" u="none" strike="noStrike" cap="none" spc="0" normalizeH="0" baseline="0" dirty="0">
+              <a:rPr kumimoji="0" lang="ru-RU" sz="1400" b="0" i="0" u="none" strike="noStrike" cap="none" spc="0" normalizeH="0" baseline="0" dirty="0">
                 <a:ln>
                   <a:noFill/>
                 </a:ln>
@@ -17019,8 +17099,22 @@
                 <a:cs typeface="+mn-cs"/>
                 <a:sym typeface="Calibri"/>
               </a:rPr>
-              <a:t>submit</a:t>
+              <a:t>послать</a:t>
             </a:r>
+            <a:endParaRPr kumimoji="0" lang="en-US" sz="1400" b="0" i="0" u="none" strike="noStrike" cap="none" spc="0" normalizeH="0" baseline="0" dirty="0">
+              <a:ln>
+                <a:noFill/>
+              </a:ln>
+              <a:solidFill>
+                <a:srgbClr val="000000"/>
+              </a:solidFill>
+              <a:effectLst/>
+              <a:uFillTx/>
+              <a:latin typeface="+mn-lt"/>
+              <a:ea typeface="+mn-ea"/>
+              <a:cs typeface="+mn-cs"/>
+              <a:sym typeface="Calibri"/>
+            </a:endParaRPr>
           </a:p>
         </p:txBody>
       </p:sp>
@@ -17327,8 +17421,8 @@
         </p:nvSpPr>
         <p:spPr>
           <a:xfrm>
-            <a:off x="6238189" y="2577091"/>
-            <a:ext cx="496288" cy="307775"/>
+            <a:off x="6056249" y="2577091"/>
+            <a:ext cx="860169" cy="261608"/>
           </a:xfrm>
           <a:prstGeom prst="rect">
             <a:avLst/>
@@ -17376,7 +17470,7 @@
               <a:tabLst/>
             </a:pPr>
             <a:r>
-              <a:rPr kumimoji="0" lang="en-US" sz="1400" b="0" i="0" u="none" strike="noStrike" cap="none" spc="0" normalizeH="0" baseline="0" dirty="0">
+              <a:rPr kumimoji="0" lang="ru-RU" sz="1100" b="0" i="0" u="none" strike="noStrike" cap="none" spc="0" normalizeH="0" baseline="0" dirty="0">
                 <a:ln>
                   <a:noFill/>
                 </a:ln>
@@ -17390,8 +17484,22 @@
                 <a:cs typeface="+mn-cs"/>
                 <a:sym typeface="Calibri"/>
               </a:rPr>
-              <a:t>order</a:t>
+              <a:t>упорядочить</a:t>
             </a:r>
+            <a:endParaRPr kumimoji="0" lang="en-US" sz="1100" b="0" i="0" u="none" strike="noStrike" cap="none" spc="0" normalizeH="0" baseline="0" dirty="0">
+              <a:ln>
+                <a:noFill/>
+              </a:ln>
+              <a:solidFill>
+                <a:srgbClr val="000000"/>
+              </a:solidFill>
+              <a:effectLst/>
+              <a:uFillTx/>
+              <a:latin typeface="+mn-lt"/>
+              <a:ea typeface="+mn-ea"/>
+              <a:cs typeface="+mn-cs"/>
+              <a:sym typeface="Calibri"/>
+            </a:endParaRPr>
           </a:p>
         </p:txBody>
       </p:sp>
@@ -17598,9 +17706,10 @@
           <a:p>
             <a:pPr algn="ctr"/>
             <a:r>
-              <a:rPr lang="en-US" sz="1400" dirty="0"/>
-              <a:t>gateway</a:t>
+              <a:rPr lang="ru-RU" sz="1400" dirty="0"/>
+              <a:t>шлюз</a:t>
             </a:r>
+            <a:endParaRPr lang="en-US" sz="1400" dirty="0"/>
           </a:p>
         </p:txBody>
       </p:sp>
@@ -17660,9 +17769,10 @@
           <a:p>
             <a:pPr algn="ctr"/>
             <a:r>
-              <a:rPr lang="en-US" sz="1400" dirty="0"/>
-              <a:t>wallet</a:t>
+              <a:rPr lang="ru-RU" sz="1400" dirty="0"/>
+              <a:t>кошелек</a:t>
             </a:r>
+            <a:endParaRPr lang="en-US" sz="1400" dirty="0"/>
           </a:p>
         </p:txBody>
       </p:sp>
@@ -17775,8 +17885,8 @@
         </p:nvSpPr>
         <p:spPr>
           <a:xfrm>
-            <a:off x="3413315" y="3957171"/>
-            <a:ext cx="759180" cy="307775"/>
+            <a:off x="3542356" y="3957171"/>
+            <a:ext cx="501097" cy="307775"/>
           </a:xfrm>
           <a:prstGeom prst="rect">
             <a:avLst/>
@@ -17824,7 +17934,7 @@
               <a:tabLst/>
             </a:pPr>
             <a:r>
-              <a:rPr kumimoji="0" lang="en-US" sz="1400" b="0" i="0" u="none" strike="noStrike" cap="none" spc="0" normalizeH="0" baseline="0" dirty="0">
+              <a:rPr kumimoji="0" lang="ru-RU" sz="1400" b="0" i="0" u="none" strike="noStrike" cap="none" spc="0" normalizeH="0" baseline="0" dirty="0">
                 <a:ln>
                   <a:noFill/>
                 </a:ln>
@@ -17838,8 +17948,22 @@
                 <a:cs typeface="+mn-cs"/>
                 <a:sym typeface="Calibri"/>
               </a:rPr>
-              <a:t>response</a:t>
+              <a:t>ответ</a:t>
             </a:r>
+            <a:endParaRPr kumimoji="0" lang="en-US" sz="1400" b="0" i="0" u="none" strike="noStrike" cap="none" spc="0" normalizeH="0" baseline="0" dirty="0">
+              <a:ln>
+                <a:noFill/>
+              </a:ln>
+              <a:solidFill>
+                <a:srgbClr val="000000"/>
+              </a:solidFill>
+              <a:effectLst/>
+              <a:uFillTx/>
+              <a:latin typeface="+mn-lt"/>
+              <a:ea typeface="+mn-ea"/>
+              <a:cs typeface="+mn-cs"/>
+              <a:sym typeface="Calibri"/>
+            </a:endParaRPr>
           </a:p>
         </p:txBody>
       </p:sp>
@@ -17995,8 +18119,8 @@
         </p:nvSpPr>
         <p:spPr>
           <a:xfrm>
-            <a:off x="2779417" y="4379505"/>
-            <a:ext cx="671016" cy="259043"/>
+            <a:off x="2763389" y="4379505"/>
+            <a:ext cx="703076" cy="259043"/>
           </a:xfrm>
           <a:prstGeom prst="rect">
             <a:avLst/>
@@ -18033,22 +18157,23 @@
               </a:lnSpc>
             </a:pPr>
             <a:r>
-              <a:rPr kumimoji="0" lang="en-US" sz="1400" b="0" i="0" u="none" strike="noStrike" cap="none" spc="0" normalizeH="0" baseline="0" dirty="0">
-                <a:ln>
-                  <a:noFill/>
-                </a:ln>
-                <a:solidFill>
-                  <a:srgbClr val="000000"/>
-                </a:solidFill>
-                <a:effectLst/>
-                <a:uFillTx/>
-                <a:latin typeface="+mn-lt"/>
-                <a:ea typeface="+mn-ea"/>
-                <a:cs typeface="+mn-cs"/>
-                <a:sym typeface="Calibri"/>
-              </a:rPr>
-              <a:t>retrieve</a:t>
+              <a:rPr lang="ru-RU" sz="1400" dirty="0"/>
+              <a:t>извлечь</a:t>
             </a:r>
+            <a:endParaRPr kumimoji="0" lang="en-US" sz="1400" b="0" i="0" u="none" strike="noStrike" cap="none" spc="0" normalizeH="0" baseline="0" dirty="0">
+              <a:ln>
+                <a:noFill/>
+              </a:ln>
+              <a:solidFill>
+                <a:srgbClr val="000000"/>
+              </a:solidFill>
+              <a:effectLst/>
+              <a:uFillTx/>
+              <a:latin typeface="+mn-lt"/>
+              <a:ea typeface="+mn-ea"/>
+              <a:cs typeface="+mn-cs"/>
+              <a:sym typeface="Calibri"/>
+            </a:endParaRPr>
           </a:p>
         </p:txBody>
       </p:sp>
@@ -18619,7 +18744,7 @@
           </a:ln>
           <a:extLst>
             <a:ext uri="{C572A759-6A51-4108-AA02-DFA0A04FC94B}">
-              <ma14:wrappingTextBoxFlag xmlns:ma14="http://schemas.microsoft.com/office/mac/drawingml/2011/main" xmlns="" val="1"/>
+              <ma14:wrappingTextBoxFlag xmlns="" xmlns:ma14="http://schemas.microsoft.com/office/mac/drawingml/2011/main" val="1"/>
             </a:ext>
           </a:extLst>
         </p:spPr>
@@ -21847,7 +21972,7 @@
           </a:ln>
           <a:extLst>
             <a:ext uri="{C572A759-6A51-4108-AA02-DFA0A04FC94B}">
-              <ma14:wrappingTextBoxFlag xmlns:ma14="http://schemas.microsoft.com/office/mac/drawingml/2011/main" xmlns="" val="1"/>
+              <ma14:wrappingTextBoxFlag xmlns="" xmlns:ma14="http://schemas.microsoft.com/office/mac/drawingml/2011/main" val="1"/>
             </a:ext>
           </a:extLst>
         </p:spPr>
@@ -24924,7 +25049,7 @@
           </a:prstGeom>
           <a:extLst>
             <a:ext uri="{C572A759-6A51-4108-AA02-DFA0A04FC94B}">
-              <ma14:wrappingTextBoxFlag xmlns:ma14="http://schemas.microsoft.com/office/mac/drawingml/2011/main" xmlns="" val="1"/>
+              <ma14:wrappingTextBoxFlag xmlns="" xmlns:ma14="http://schemas.microsoft.com/office/mac/drawingml/2011/main" val="1"/>
             </a:ext>
           </a:extLst>
         </p:spPr>
@@ -27632,7 +27757,7 @@
           </a:ln>
           <a:extLst>
             <a:ext uri="{C572A759-6A51-4108-AA02-DFA0A04FC94B}">
-              <ma14:wrappingTextBoxFlag xmlns="" xmlns:ma14="http://schemas.microsoft.com/office/mac/drawingml/2011/main" val="1"/>
+              <ma14:wrappingTextBoxFlag xmlns:ma14="http://schemas.microsoft.com/office/mac/drawingml/2011/main" xmlns="" val="1"/>
             </a:ext>
           </a:extLst>
         </p:spPr>
@@ -30647,7 +30772,7 @@
           </a:ln>
           <a:extLst>
             <a:ext uri="{C572A759-6A51-4108-AA02-DFA0A04FC94B}">
-              <ma14:wrappingTextBoxFlag xmlns="" xmlns:ma14="http://schemas.microsoft.com/office/mac/drawingml/2011/main" val="1"/>
+              <ma14:wrappingTextBoxFlag xmlns:ma14="http://schemas.microsoft.com/office/mac/drawingml/2011/main" xmlns="" val="1"/>
             </a:ext>
           </a:extLst>
         </p:spPr>
@@ -31754,7 +31879,7 @@
           </a:prstGeom>
           <a:extLst>
             <a:ext uri="{C572A759-6A51-4108-AA02-DFA0A04FC94B}">
-              <ma14:wrappingTextBoxFlag xmlns:ma14="http://schemas.microsoft.com/office/mac/drawingml/2011/main" xmlns="" val="1"/>
+              <ma14:wrappingTextBoxFlag xmlns="" xmlns:ma14="http://schemas.microsoft.com/office/mac/drawingml/2011/main" val="1"/>
             </a:ext>
           </a:extLst>
         </p:spPr>
@@ -31864,7 +31989,7 @@
           </a:ln>
           <a:extLst>
             <a:ext uri="{C572A759-6A51-4108-AA02-DFA0A04FC94B}">
-              <ma14:wrappingTextBoxFlag xmlns:ma14="http://schemas.microsoft.com/office/mac/drawingml/2011/main" xmlns="" val="1"/>
+              <ma14:wrappingTextBoxFlag xmlns="" xmlns:ma14="http://schemas.microsoft.com/office/mac/drawingml/2011/main" val="1"/>
             </a:ext>
           </a:extLst>
         </p:spPr>
@@ -32370,7 +32495,7 @@
         <p:spPr>
           <a:xfrm>
             <a:off x="5201921" y="3706585"/>
-            <a:ext cx="369651" cy="253914"/>
+            <a:ext cx="507509" cy="253914"/>
           </a:xfrm>
           <a:prstGeom prst="rect">
             <a:avLst/>
@@ -32418,7 +32543,7 @@
               <a:tabLst/>
             </a:pPr>
             <a:r>
-              <a:rPr kumimoji="0" lang="en-US" sz="1050" b="0" i="0" u="none" strike="noStrike" cap="none" spc="0" normalizeH="0" baseline="0" dirty="0">
+              <a:rPr kumimoji="0" lang="ru-RU" sz="1050" b="0" i="0" u="none" strike="noStrike" cap="none" spc="0" normalizeH="0" baseline="0" dirty="0">
                 <a:ln>
                   <a:noFill/>
                 </a:ln>
@@ -32432,8 +32557,22 @@
                 <a:cs typeface="+mn-cs"/>
                 <a:sym typeface="Calibri"/>
               </a:rPr>
-              <a:t>Issue</a:t>
+              <a:t>Выпуск</a:t>
             </a:r>
+            <a:endParaRPr kumimoji="0" lang="en-US" sz="1050" b="0" i="0" u="none" strike="noStrike" cap="none" spc="0" normalizeH="0" baseline="0" dirty="0">
+              <a:ln>
+                <a:noFill/>
+              </a:ln>
+              <a:solidFill>
+                <a:srgbClr val="000000"/>
+              </a:solidFill>
+              <a:effectLst/>
+              <a:uFillTx/>
+              <a:latin typeface="+mn-lt"/>
+              <a:ea typeface="+mn-ea"/>
+              <a:cs typeface="+mn-cs"/>
+              <a:sym typeface="Calibri"/>
+            </a:endParaRPr>
           </a:p>
         </p:txBody>
       </p:sp>
@@ -32451,8 +32590,8 @@
         </p:nvSpPr>
         <p:spPr>
           <a:xfrm>
-            <a:off x="7090577" y="3563839"/>
-            <a:ext cx="297515" cy="253914"/>
+            <a:off x="7003103" y="3527381"/>
+            <a:ext cx="485067" cy="253914"/>
           </a:xfrm>
           <a:prstGeom prst="rect">
             <a:avLst/>
@@ -32500,7 +32639,7 @@
               <a:tabLst/>
             </a:pPr>
             <a:r>
-              <a:rPr kumimoji="0" lang="en-US" sz="1050" b="0" i="0" u="none" strike="noStrike" cap="none" spc="0" normalizeH="0" baseline="0" dirty="0">
+              <a:rPr kumimoji="0" lang="ru-RU" sz="1050" b="0" i="0" u="none" strike="noStrike" cap="none" spc="0" normalizeH="0" baseline="0" dirty="0">
                 <a:ln>
                   <a:noFill/>
                 </a:ln>
@@ -32514,8 +32653,22 @@
                 <a:cs typeface="+mn-cs"/>
                 <a:sym typeface="Calibri"/>
               </a:rPr>
-              <a:t>Buy</a:t>
+              <a:t>Купить</a:t>
             </a:r>
+            <a:endParaRPr kumimoji="0" lang="en-US" sz="1050" b="0" i="0" u="none" strike="noStrike" cap="none" spc="0" normalizeH="0" baseline="0" dirty="0">
+              <a:ln>
+                <a:noFill/>
+              </a:ln>
+              <a:solidFill>
+                <a:srgbClr val="000000"/>
+              </a:solidFill>
+              <a:effectLst/>
+              <a:uFillTx/>
+              <a:latin typeface="+mn-lt"/>
+              <a:ea typeface="+mn-ea"/>
+              <a:cs typeface="+mn-cs"/>
+              <a:sym typeface="Calibri"/>
+            </a:endParaRPr>
           </a:p>
         </p:txBody>
       </p:sp>
@@ -32534,7 +32687,7 @@
         <p:spPr>
           <a:xfrm>
             <a:off x="6966345" y="4125379"/>
-            <a:ext cx="545981" cy="253914"/>
+            <a:ext cx="602086" cy="253914"/>
           </a:xfrm>
           <a:prstGeom prst="rect">
             <a:avLst/>
@@ -32582,7 +32735,7 @@
               <a:tabLst/>
             </a:pPr>
             <a:r>
-              <a:rPr kumimoji="0" lang="en-US" sz="1050" b="0" i="0" u="none" strike="noStrike" cap="none" spc="0" normalizeH="0" baseline="0" dirty="0">
+              <a:rPr kumimoji="0" lang="ru-RU" sz="1050" b="0" i="0" u="none" strike="noStrike" cap="none" spc="0" normalizeH="0" baseline="0" dirty="0">
                 <a:ln>
                   <a:noFill/>
                 </a:ln>
@@ -32596,8 +32749,22 @@
                 <a:cs typeface="+mn-cs"/>
                 <a:sym typeface="Calibri"/>
               </a:rPr>
-              <a:t>Redeem</a:t>
+              <a:t>Погасить</a:t>
             </a:r>
+            <a:endParaRPr kumimoji="0" lang="en-US" sz="1050" b="0" i="0" u="none" strike="noStrike" cap="none" spc="0" normalizeH="0" baseline="0" dirty="0">
+              <a:ln>
+                <a:noFill/>
+              </a:ln>
+              <a:solidFill>
+                <a:srgbClr val="000000"/>
+              </a:solidFill>
+              <a:effectLst/>
+              <a:uFillTx/>
+              <a:latin typeface="+mn-lt"/>
+              <a:ea typeface="+mn-ea"/>
+              <a:cs typeface="+mn-cs"/>
+              <a:sym typeface="Calibri"/>
+            </a:endParaRPr>
           </a:p>
         </p:txBody>
       </p:sp>
@@ -33428,7 +33595,7 @@
           </a:ln>
           <a:extLst>
             <a:ext uri="{C572A759-6A51-4108-AA02-DFA0A04FC94B}">
-              <ma14:wrappingTextBoxFlag xmlns:ma14="http://schemas.microsoft.com/office/mac/drawingml/2011/main" xmlns="" val="1"/>
+              <ma14:wrappingTextBoxFlag xmlns="" xmlns:ma14="http://schemas.microsoft.com/office/mac/drawingml/2011/main" val="1"/>
             </a:ext>
           </a:extLst>
         </p:spPr>
@@ -33771,8 +33938,12 @@
           <a:p>
             <a:pPr algn="ctr"/>
             <a:r>
+              <a:rPr lang="ru-RU" sz="1400" dirty="0"/>
+              <a:t>репозиторий </a:t>
+            </a:r>
+            <a:r>
               <a:rPr lang="en-US" sz="1400" dirty="0"/>
-              <a:t>GitHub repository</a:t>
+              <a:t>GitHub</a:t>
             </a:r>
           </a:p>
         </p:txBody>
@@ -33833,9 +34004,10 @@
           <a:p>
             <a:pPr algn="ctr"/>
             <a:r>
-              <a:rPr lang="en-US" sz="1400" dirty="0"/>
-              <a:t>Local machine</a:t>
+              <a:rPr lang="ru-RU" sz="1400" dirty="0"/>
+              <a:t>Локальная машина</a:t>
             </a:r>
+            <a:endParaRPr lang="en-US" sz="1400" dirty="0"/>
           </a:p>
           <a:p>
             <a:pPr algn="ctr"/>
@@ -33861,7 +34033,7 @@
         <p:spPr>
           <a:xfrm>
             <a:off x="6238452" y="3759726"/>
-            <a:ext cx="821698" cy="307775"/>
+            <a:ext cx="820094" cy="307775"/>
           </a:xfrm>
           <a:prstGeom prst="rect">
             <a:avLst/>
@@ -33909,7 +34081,7 @@
               <a:tabLst/>
             </a:pPr>
             <a:r>
-              <a:rPr kumimoji="0" lang="en-US" sz="1400" b="0" i="0" u="none" strike="noStrike" cap="none" spc="0" normalizeH="0" baseline="0" dirty="0">
+              <a:rPr kumimoji="0" lang="ru-RU" sz="1400" b="0" i="0" u="none" strike="noStrike" cap="none" spc="0" normalizeH="0" baseline="0" dirty="0">
                 <a:ln>
                   <a:noFill/>
                 </a:ln>
@@ -33923,8 +34095,22 @@
                 <a:cs typeface="+mn-cs"/>
                 <a:sym typeface="Calibri"/>
               </a:rPr>
-              <a:t>download</a:t>
+              <a:t>загрузить</a:t>
             </a:r>
+            <a:endParaRPr kumimoji="0" lang="en-US" sz="1400" b="0" i="0" u="none" strike="noStrike" cap="none" spc="0" normalizeH="0" baseline="0" dirty="0">
+              <a:ln>
+                <a:noFill/>
+              </a:ln>
+              <a:solidFill>
+                <a:srgbClr val="000000"/>
+              </a:solidFill>
+              <a:effectLst/>
+              <a:uFillTx/>
+              <a:latin typeface="+mn-lt"/>
+              <a:ea typeface="+mn-ea"/>
+              <a:cs typeface="+mn-cs"/>
+              <a:sym typeface="Calibri"/>
+            </a:endParaRPr>
           </a:p>
         </p:txBody>
       </p:sp>
@@ -34208,7 +34394,7 @@
           </a:ln>
           <a:extLst>
             <a:ext uri="{C572A759-6A51-4108-AA02-DFA0A04FC94B}">
-              <ma14:wrappingTextBoxFlag xmlns:ma14="http://schemas.microsoft.com/office/mac/drawingml/2011/main" xmlns="" val="1"/>
+              <ma14:wrappingTextBoxFlag xmlns="" xmlns:ma14="http://schemas.microsoft.com/office/mac/drawingml/2011/main" val="1"/>
             </a:ext>
           </a:extLst>
         </p:spPr>
@@ -34564,9 +34750,24 @@
             <a:p>
               <a:pPr algn="ctr"/>
               <a:r>
-                <a:rPr lang="en-US" sz="1400" dirty="0"/>
-                <a:t>ledger database</a:t>
+                <a:rPr lang="ru-RU" sz="1400" dirty="0"/>
+                <a:t>база</a:t>
               </a:r>
+            </a:p>
+            <a:p>
+              <a:pPr algn="ctr"/>
+              <a:r>
+                <a:rPr lang="ru-RU" sz="1400" dirty="0"/>
+                <a:t>данных</a:t>
+              </a:r>
+            </a:p>
+            <a:p>
+              <a:pPr algn="ctr"/>
+              <a:r>
+                <a:rPr lang="ru-RU" sz="1400" dirty="0"/>
+                <a:t>реестра</a:t>
+              </a:r>
+              <a:endParaRPr lang="en-US" sz="1400" dirty="0"/>
             </a:p>
           </p:txBody>
         </p:sp>
@@ -34626,8 +34827,15 @@
             <a:p>
               <a:pPr algn="ctr"/>
               <a:r>
+                <a:rPr lang="ru-RU" sz="1400" dirty="0"/>
+                <a:t>узел </a:t>
+              </a:r>
+            </a:p>
+            <a:p>
+              <a:pPr algn="ctr"/>
+              <a:r>
                 <a:rPr lang="en-US" sz="1400" dirty="0"/>
-                <a:t>Org2 peer</a:t>
+                <a:t>Org2</a:t>
               </a:r>
             </a:p>
           </p:txBody>
@@ -34648,7 +34856,7 @@
         <p:spPr>
           <a:xfrm>
             <a:off x="5571145" y="2589169"/>
-            <a:ext cx="1711364" cy="338552"/>
+            <a:ext cx="1826780" cy="338552"/>
           </a:xfrm>
           <a:prstGeom prst="rect">
             <a:avLst/>
@@ -34695,6 +34903,23 @@
               <a:buNone/>
               <a:tabLst/>
             </a:pPr>
+            <a:r>
+              <a:rPr kumimoji="0" lang="ru-RU" sz="1600" b="0" i="0" u="none" strike="noStrike" cap="none" spc="0" normalizeH="0" baseline="0" dirty="0">
+                <a:ln>
+                  <a:noFill/>
+                </a:ln>
+                <a:solidFill>
+                  <a:srgbClr val="000000"/>
+                </a:solidFill>
+                <a:effectLst/>
+                <a:uFillTx/>
+                <a:latin typeface="+mn-lt"/>
+                <a:ea typeface="+mn-ea"/>
+                <a:cs typeface="+mn-cs"/>
+                <a:sym typeface="Calibri"/>
+              </a:rPr>
+              <a:t>Тестовая сеть </a:t>
+            </a:r>
             <a:r>
               <a:rPr kumimoji="0" lang="en-US" sz="1600" b="0" i="0" u="none" strike="noStrike" cap="none" spc="0" normalizeH="0" baseline="0" dirty="0">
                 <a:ln>
@@ -34710,7 +34935,7 @@
                 <a:cs typeface="+mn-cs"/>
                 <a:sym typeface="Calibri"/>
               </a:rPr>
-              <a:t>Fabric test network</a:t>
+              <a:t>Fabric</a:t>
             </a:r>
           </a:p>
         </p:txBody>
@@ -34771,9 +34996,24 @@
           <a:p>
             <a:pPr algn="ctr"/>
             <a:r>
-              <a:rPr lang="en-US" sz="1400" dirty="0"/>
-              <a:t>ledger database</a:t>
+              <a:rPr lang="ru-RU" sz="1400" dirty="0"/>
+              <a:t>база</a:t>
             </a:r>
+          </a:p>
+          <a:p>
+            <a:pPr algn="ctr"/>
+            <a:r>
+              <a:rPr lang="ru-RU" sz="1400" dirty="0"/>
+              <a:t>данных</a:t>
+            </a:r>
+          </a:p>
+          <a:p>
+            <a:pPr algn="ctr"/>
+            <a:r>
+              <a:rPr lang="ru-RU" sz="1400" dirty="0"/>
+              <a:t>реестра</a:t>
+            </a:r>
+            <a:endParaRPr lang="en-US" sz="1400" dirty="0"/>
           </a:p>
         </p:txBody>
       </p:sp>
@@ -34833,8 +35073,15 @@
           <a:p>
             <a:pPr algn="ctr"/>
             <a:r>
+              <a:rPr lang="ru-RU" sz="1400" dirty="0"/>
+              <a:t>узел </a:t>
+            </a:r>
+          </a:p>
+          <a:p>
+            <a:pPr algn="ctr"/>
+            <a:r>
               <a:rPr lang="en-US" sz="1400" dirty="0"/>
-              <a:t>Org1 peer</a:t>
+              <a:t>Org1</a:t>
             </a:r>
           </a:p>
         </p:txBody>
@@ -34896,8 +35143,13 @@
             <a:pPr algn="ctr"/>
             <a:r>
               <a:rPr lang="en-US" sz="1400" dirty="0"/>
-              <a:t>Org2 CA</a:t>
+              <a:t>Org2 </a:t>
             </a:r>
+            <a:r>
+              <a:rPr lang="ru-RU" sz="1400" dirty="0"/>
+              <a:t>УЦ</a:t>
+            </a:r>
+            <a:endParaRPr lang="en-US" sz="1400" dirty="0"/>
           </a:p>
         </p:txBody>
       </p:sp>
@@ -34958,8 +35210,13 @@
             <a:pPr algn="ctr"/>
             <a:r>
               <a:rPr lang="en-US" sz="1400" dirty="0"/>
-              <a:t>Org1 CA</a:t>
+              <a:t>Org1 </a:t>
             </a:r>
+            <a:r>
+              <a:rPr lang="ru-RU" sz="1400" dirty="0"/>
+              <a:t>УЦ</a:t>
+            </a:r>
+            <a:endParaRPr lang="en-US" sz="1400" dirty="0"/>
           </a:p>
         </p:txBody>
       </p:sp>
@@ -35581,9 +35838,10 @@
               <a:tabLst/>
             </a:pPr>
             <a:r>
-              <a:rPr lang="en-US" sz="1400" dirty="0"/>
-              <a:t>Ordering Organization</a:t>
+              <a:rPr lang="ru-RU" sz="1400" dirty="0"/>
+              <a:t>Упорядочивающая организация</a:t>
             </a:r>
+            <a:endParaRPr lang="en-US" sz="1400" dirty="0"/>
           </a:p>
           <a:p>
             <a:pPr marL="0" marR="0" indent="0" algn="l" defTabSz="914400" rtl="0" fontAlgn="auto" latinLnBrk="0" hangingPunct="0">
@@ -35848,8 +36106,13 @@
             <a:pPr algn="ctr"/>
             <a:r>
               <a:rPr lang="en-US" sz="1400" dirty="0"/>
-              <a:t>Org1 CA</a:t>
+              <a:t>Org1 </a:t>
             </a:r>
+            <a:r>
+              <a:rPr lang="ru-RU" sz="1400" dirty="0"/>
+              <a:t>УЦ</a:t>
+            </a:r>
+            <a:endParaRPr lang="en-US" sz="1400" dirty="0"/>
           </a:p>
         </p:txBody>
       </p:sp>
@@ -35909,9 +36172,10 @@
           <a:p>
             <a:pPr algn="ctr"/>
             <a:r>
-              <a:rPr lang="en-US" sz="1400" dirty="0"/>
-              <a:t>Ordering node</a:t>
+              <a:rPr lang="ru-RU" sz="1200" dirty="0"/>
+              <a:t>Узел упорядочивания</a:t>
             </a:r>
+            <a:endParaRPr lang="en-US" sz="1200" dirty="0"/>
           </a:p>
         </p:txBody>
       </p:sp>
@@ -36015,7 +36279,7 @@
           </a:ln>
           <a:extLst>
             <a:ext uri="{C572A759-6A51-4108-AA02-DFA0A04FC94B}">
-              <ma14:wrappingTextBoxFlag xmlns:ma14="http://schemas.microsoft.com/office/mac/drawingml/2011/main" xmlns="" val="1"/>
+              <ma14:wrappingTextBoxFlag xmlns="" xmlns:ma14="http://schemas.microsoft.com/office/mac/drawingml/2011/main" val="1"/>
             </a:ext>
           </a:extLst>
         </p:spPr>
@@ -36371,9 +36635,10 @@
             <a:p>
               <a:pPr algn="ctr"/>
               <a:r>
-                <a:rPr lang="en-US" sz="1400" dirty="0"/>
-                <a:t>CA</a:t>
+                <a:rPr lang="ru-RU" sz="1400" dirty="0"/>
+                <a:t>УЦ</a:t>
               </a:r>
+              <a:endParaRPr lang="en-US" sz="1400" dirty="0"/>
             </a:p>
           </p:txBody>
         </p:sp>
@@ -36433,9 +36698,10 @@
             <a:p>
               <a:pPr algn="ctr"/>
               <a:r>
-                <a:rPr lang="en-US" sz="1400" dirty="0"/>
-                <a:t>orderer</a:t>
+                <a:rPr lang="ru-RU" sz="1100" dirty="0"/>
+                <a:t>упорядочивающая служба</a:t>
               </a:r>
+              <a:endParaRPr lang="en-US" sz="1100" dirty="0"/>
             </a:p>
           </p:txBody>
         </p:sp>
@@ -36515,9 +36781,24 @@
               <a:p>
                 <a:pPr algn="ctr"/>
                 <a:r>
-                  <a:rPr lang="en-US" sz="1400" dirty="0"/>
-                  <a:t>ledger database</a:t>
+                  <a:rPr lang="ru-RU" sz="1400" dirty="0"/>
+                  <a:t>база</a:t>
                 </a:r>
+              </a:p>
+              <a:p>
+                <a:pPr algn="ctr"/>
+                <a:r>
+                  <a:rPr lang="ru-RU" sz="1400" dirty="0"/>
+                  <a:t>данных</a:t>
+                </a:r>
+              </a:p>
+              <a:p>
+                <a:pPr algn="ctr"/>
+                <a:r>
+                  <a:rPr lang="ru-RU" sz="1400" dirty="0"/>
+                  <a:t>реестра</a:t>
+                </a:r>
+                <a:endParaRPr lang="en-US" sz="1400" dirty="0"/>
               </a:p>
             </p:txBody>
           </p:sp>
@@ -36577,9 +36858,10 @@
               <a:p>
                 <a:pPr algn="ctr"/>
                 <a:r>
-                  <a:rPr lang="en-US" sz="1400" dirty="0"/>
-                  <a:t>peer</a:t>
+                  <a:rPr lang="ru-RU" sz="1400" dirty="0"/>
+                  <a:t>узел</a:t>
                 </a:r>
+                <a:endParaRPr lang="en-US" sz="1400" dirty="0"/>
               </a:p>
             </p:txBody>
           </p:sp>
@@ -36732,7 +37014,7 @@
         <p:spPr>
           <a:xfrm>
             <a:off x="7008908" y="2710841"/>
-            <a:ext cx="1113444" cy="307775"/>
+            <a:ext cx="1648847" cy="307775"/>
           </a:xfrm>
           <a:prstGeom prst="rect">
             <a:avLst/>
@@ -36780,7 +37062,7 @@
               <a:tabLst/>
             </a:pPr>
             <a:r>
-              <a:rPr kumimoji="0" lang="en-US" sz="1400" b="0" i="0" u="none" strike="noStrike" cap="none" spc="0" normalizeH="0" baseline="0" dirty="0">
+              <a:rPr kumimoji="0" lang="ru-RU" sz="1400" b="0" i="0" u="none" strike="noStrike" cap="none" spc="0" normalizeH="0" baseline="0" dirty="0">
                 <a:ln>
                   <a:noFill/>
                 </a:ln>
@@ -36794,8 +37076,26 @@
                 <a:cs typeface="+mn-cs"/>
                 <a:sym typeface="Calibri"/>
               </a:rPr>
-              <a:t>basic network</a:t>
+              <a:t>базовый соста</a:t>
             </a:r>
+            <a:r>
+              <a:rPr lang="ru-RU" sz="1400" dirty="0"/>
+              <a:t>в сети</a:t>
+            </a:r>
+            <a:endParaRPr kumimoji="0" lang="en-US" sz="1400" b="0" i="0" u="none" strike="noStrike" cap="none" spc="0" normalizeH="0" baseline="0" dirty="0">
+              <a:ln>
+                <a:noFill/>
+              </a:ln>
+              <a:solidFill>
+                <a:srgbClr val="000000"/>
+              </a:solidFill>
+              <a:effectLst/>
+              <a:uFillTx/>
+              <a:latin typeface="+mn-lt"/>
+              <a:ea typeface="+mn-ea"/>
+              <a:cs typeface="+mn-cs"/>
+              <a:sym typeface="Calibri"/>
+            </a:endParaRPr>
           </a:p>
         </p:txBody>
       </p:sp>
@@ -36937,16 +37237,17 @@
           <a:p>
             <a:pPr algn="ctr"/>
             <a:r>
-              <a:rPr lang="en-US" sz="1400" dirty="0"/>
-              <a:t>Administrator</a:t>
+              <a:rPr lang="ru-RU" sz="1200" dirty="0"/>
+              <a:t>Консоль </a:t>
             </a:r>
           </a:p>
           <a:p>
             <a:pPr algn="ctr"/>
             <a:r>
-              <a:rPr lang="en-US" sz="1400" dirty="0"/>
-              <a:t>console</a:t>
+              <a:rPr lang="ru-RU" sz="1200" dirty="0"/>
+              <a:t>администратора</a:t>
             </a:r>
+            <a:endParaRPr lang="en-US" sz="1200" dirty="0"/>
           </a:p>
         </p:txBody>
       </p:sp>
